--- a/trunk/docs/UML for MetaXMLParser and MetadataNode.pptx
+++ b/trunk/docs/UML for MetaXMLParser and MetadataNode.pptx
@@ -2,18 +2,19 @@
 <file path=ppt/presentation.xml><?xml version="1.0" encoding="utf-8"?>
 <p:presentation xmlns:a="http://schemas.openxmlformats.org/drawingml/2006/main" xmlns:r="http://schemas.openxmlformats.org/officeDocument/2006/relationships" xmlns:p="http://schemas.openxmlformats.org/presentationml/2006/main" saveSubsetFonts="1">
   <p:sldMasterIdLst>
-    <p:sldMasterId id="2147483648" r:id="rId1"/>
+    <p:sldMasterId id="2147483660" r:id="rId1"/>
   </p:sldMasterIdLst>
   <p:sldIdLst>
     <p:sldId id="256" r:id="rId2"/>
+    <p:sldId id="257" r:id="rId3"/>
   </p:sldIdLst>
-  <p:sldSz cx="12192000" cy="6858000"/>
+  <p:sldSz cx="7772400" cy="10058400"/>
   <p:notesSz cx="6858000" cy="9144000"/>
   <p:defaultTextStyle>
     <a:defPPr>
       <a:defRPr lang="en-US"/>
     </a:defPPr>
-    <a:lvl1pPr marL="0" algn="l" defTabSz="914400" rtl="0" eaLnBrk="1" latinLnBrk="0" hangingPunct="1">
+    <a:lvl1pPr marL="0" algn="l" defTabSz="457200" rtl="0" eaLnBrk="1" latinLnBrk="0" hangingPunct="1">
       <a:defRPr sz="1800" kern="1200">
         <a:solidFill>
           <a:schemeClr val="tx1"/>
@@ -23,7 +24,7 @@
         <a:cs typeface="+mn-cs"/>
       </a:defRPr>
     </a:lvl1pPr>
-    <a:lvl2pPr marL="457200" algn="l" defTabSz="914400" rtl="0" eaLnBrk="1" latinLnBrk="0" hangingPunct="1">
+    <a:lvl2pPr marL="457200" algn="l" defTabSz="457200" rtl="0" eaLnBrk="1" latinLnBrk="0" hangingPunct="1">
       <a:defRPr sz="1800" kern="1200">
         <a:solidFill>
           <a:schemeClr val="tx1"/>
@@ -33,7 +34,7 @@
         <a:cs typeface="+mn-cs"/>
       </a:defRPr>
     </a:lvl2pPr>
-    <a:lvl3pPr marL="914400" algn="l" defTabSz="914400" rtl="0" eaLnBrk="1" latinLnBrk="0" hangingPunct="1">
+    <a:lvl3pPr marL="914400" algn="l" defTabSz="457200" rtl="0" eaLnBrk="1" latinLnBrk="0" hangingPunct="1">
       <a:defRPr sz="1800" kern="1200">
         <a:solidFill>
           <a:schemeClr val="tx1"/>
@@ -43,7 +44,7 @@
         <a:cs typeface="+mn-cs"/>
       </a:defRPr>
     </a:lvl3pPr>
-    <a:lvl4pPr marL="1371600" algn="l" defTabSz="914400" rtl="0" eaLnBrk="1" latinLnBrk="0" hangingPunct="1">
+    <a:lvl4pPr marL="1371600" algn="l" defTabSz="457200" rtl="0" eaLnBrk="1" latinLnBrk="0" hangingPunct="1">
       <a:defRPr sz="1800" kern="1200">
         <a:solidFill>
           <a:schemeClr val="tx1"/>
@@ -53,7 +54,7 @@
         <a:cs typeface="+mn-cs"/>
       </a:defRPr>
     </a:lvl4pPr>
-    <a:lvl5pPr marL="1828800" algn="l" defTabSz="914400" rtl="0" eaLnBrk="1" latinLnBrk="0" hangingPunct="1">
+    <a:lvl5pPr marL="1828800" algn="l" defTabSz="457200" rtl="0" eaLnBrk="1" latinLnBrk="0" hangingPunct="1">
       <a:defRPr sz="1800" kern="1200">
         <a:solidFill>
           <a:schemeClr val="tx1"/>
@@ -63,7 +64,7 @@
         <a:cs typeface="+mn-cs"/>
       </a:defRPr>
     </a:lvl5pPr>
-    <a:lvl6pPr marL="2286000" algn="l" defTabSz="914400" rtl="0" eaLnBrk="1" latinLnBrk="0" hangingPunct="1">
+    <a:lvl6pPr marL="2286000" algn="l" defTabSz="457200" rtl="0" eaLnBrk="1" latinLnBrk="0" hangingPunct="1">
       <a:defRPr sz="1800" kern="1200">
         <a:solidFill>
           <a:schemeClr val="tx1"/>
@@ -73,7 +74,7 @@
         <a:cs typeface="+mn-cs"/>
       </a:defRPr>
     </a:lvl6pPr>
-    <a:lvl7pPr marL="2743200" algn="l" defTabSz="914400" rtl="0" eaLnBrk="1" latinLnBrk="0" hangingPunct="1">
+    <a:lvl7pPr marL="2743200" algn="l" defTabSz="457200" rtl="0" eaLnBrk="1" latinLnBrk="0" hangingPunct="1">
       <a:defRPr sz="1800" kern="1200">
         <a:solidFill>
           <a:schemeClr val="tx1"/>
@@ -83,7 +84,7 @@
         <a:cs typeface="+mn-cs"/>
       </a:defRPr>
     </a:lvl7pPr>
-    <a:lvl8pPr marL="3200400" algn="l" defTabSz="914400" rtl="0" eaLnBrk="1" latinLnBrk="0" hangingPunct="1">
+    <a:lvl8pPr marL="3200400" algn="l" defTabSz="457200" rtl="0" eaLnBrk="1" latinLnBrk="0" hangingPunct="1">
       <a:defRPr sz="1800" kern="1200">
         <a:solidFill>
           <a:schemeClr val="tx1"/>
@@ -93,7 +94,7 @@
         <a:cs typeface="+mn-cs"/>
       </a:defRPr>
     </a:lvl8pPr>
-    <a:lvl9pPr marL="3657600" algn="l" defTabSz="914400" rtl="0" eaLnBrk="1" latinLnBrk="0" hangingPunct="1">
+    <a:lvl9pPr marL="3657600" algn="l" defTabSz="457200" rtl="0" eaLnBrk="1" latinLnBrk="0" hangingPunct="1">
       <a:defRPr sz="1800" kern="1200">
         <a:solidFill>
           <a:schemeClr val="tx1"/>
@@ -104,6 +105,11 @@
       </a:defRPr>
     </a:lvl9pPr>
   </p:defaultTextStyle>
+  <p:extLst>
+    <p:ext uri="{EFAFB233-063F-42B5-8137-9DF3F51BA10A}">
+      <p15:sldGuideLst xmlns:p15="http://schemas.microsoft.com/office/powerpoint/2012/main"/>
+    </p:ext>
+  </p:extLst>
 </p:presentation>
 </file>
 
@@ -130,13 +136,7 @@
       </p:grpSpPr>
       <p:sp>
         <p:nvSpPr>
-          <p:cNvPr id="2" name="Title 1">
-            <a:extLst>
-              <a:ext uri="{FF2B5EF4-FFF2-40B4-BE49-F238E27FC236}">
-                <a16:creationId xmlns:a16="http://schemas.microsoft.com/office/drawing/2014/main" id="{D68A3138-B928-4F8E-9F53-49757A919A7A}"/>
-              </a:ext>
-            </a:extLst>
-          </p:cNvPr>
+          <p:cNvPr id="2" name="Title 1"/>
           <p:cNvSpPr>
             <a:spLocks noGrp="1"/>
           </p:cNvSpPr>
@@ -146,15 +146,15 @@
         </p:nvSpPr>
         <p:spPr>
           <a:xfrm>
-            <a:off x="1524000" y="1122363"/>
-            <a:ext cx="9144000" cy="2387600"/>
+            <a:off x="582930" y="1646133"/>
+            <a:ext cx="6606540" cy="3501813"/>
           </a:xfrm>
         </p:spPr>
         <p:txBody>
           <a:bodyPr anchor="b"/>
           <a:lstStyle>
             <a:lvl1pPr algn="ctr">
-              <a:defRPr sz="6000"/>
+              <a:defRPr sz="5100"/>
             </a:lvl1pPr>
           </a:lstStyle>
           <a:p>
@@ -162,18 +162,13 @@
               <a:rPr lang="en-US"/>
               <a:t>Click to edit Master title style</a:t>
             </a:r>
-          </a:p>
-        </p:txBody>
-      </p:sp>
-      <p:sp>
-        <p:nvSpPr>
-          <p:cNvPr id="3" name="Subtitle 2">
-            <a:extLst>
-              <a:ext uri="{FF2B5EF4-FFF2-40B4-BE49-F238E27FC236}">
-                <a16:creationId xmlns:a16="http://schemas.microsoft.com/office/drawing/2014/main" id="{5D546079-BF03-457D-96B5-8916F4931A80}"/>
-              </a:ext>
-            </a:extLst>
-          </p:cNvPr>
+            <a:endParaRPr lang="en-US" dirty="0"/>
+          </a:p>
+        </p:txBody>
+      </p:sp>
+      <p:sp>
+        <p:nvSpPr>
+          <p:cNvPr id="3" name="Subtitle 2"/>
           <p:cNvSpPr>
             <a:spLocks noGrp="1"/>
           </p:cNvSpPr>
@@ -183,8 +178,8 @@
         </p:nvSpPr>
         <p:spPr>
           <a:xfrm>
-            <a:off x="1524000" y="3602038"/>
-            <a:ext cx="9144000" cy="1655762"/>
+            <a:off x="971550" y="5282989"/>
+            <a:ext cx="5829300" cy="2428451"/>
           </a:xfrm>
         </p:spPr>
         <p:txBody>
@@ -192,39 +187,39 @@
           <a:lstStyle>
             <a:lvl1pPr marL="0" indent="0" algn="ctr">
               <a:buNone/>
-              <a:defRPr sz="2400"/>
+              <a:defRPr sz="2040"/>
             </a:lvl1pPr>
-            <a:lvl2pPr marL="457200" indent="0" algn="ctr">
-              <a:buNone/>
-              <a:defRPr sz="2000"/>
+            <a:lvl2pPr marL="388620" indent="0" algn="ctr">
+              <a:buNone/>
+              <a:defRPr sz="1700"/>
             </a:lvl2pPr>
-            <a:lvl3pPr marL="914400" indent="0" algn="ctr">
-              <a:buNone/>
-              <a:defRPr sz="1800"/>
+            <a:lvl3pPr marL="777240" indent="0" algn="ctr">
+              <a:buNone/>
+              <a:defRPr sz="1530"/>
             </a:lvl3pPr>
-            <a:lvl4pPr marL="1371600" indent="0" algn="ctr">
-              <a:buNone/>
-              <a:defRPr sz="1600"/>
+            <a:lvl4pPr marL="1165860" indent="0" algn="ctr">
+              <a:buNone/>
+              <a:defRPr sz="1360"/>
             </a:lvl4pPr>
-            <a:lvl5pPr marL="1828800" indent="0" algn="ctr">
-              <a:buNone/>
-              <a:defRPr sz="1600"/>
+            <a:lvl5pPr marL="1554480" indent="0" algn="ctr">
+              <a:buNone/>
+              <a:defRPr sz="1360"/>
             </a:lvl5pPr>
-            <a:lvl6pPr marL="2286000" indent="0" algn="ctr">
-              <a:buNone/>
-              <a:defRPr sz="1600"/>
+            <a:lvl6pPr marL="1943100" indent="0" algn="ctr">
+              <a:buNone/>
+              <a:defRPr sz="1360"/>
             </a:lvl6pPr>
-            <a:lvl7pPr marL="2743200" indent="0" algn="ctr">
-              <a:buNone/>
-              <a:defRPr sz="1600"/>
+            <a:lvl7pPr marL="2331720" indent="0" algn="ctr">
+              <a:buNone/>
+              <a:defRPr sz="1360"/>
             </a:lvl7pPr>
-            <a:lvl8pPr marL="3200400" indent="0" algn="ctr">
-              <a:buNone/>
-              <a:defRPr sz="1600"/>
+            <a:lvl8pPr marL="2720340" indent="0" algn="ctr">
+              <a:buNone/>
+              <a:defRPr sz="1360"/>
             </a:lvl8pPr>
-            <a:lvl9pPr marL="3657600" indent="0" algn="ctr">
-              <a:buNone/>
-              <a:defRPr sz="1600"/>
+            <a:lvl9pPr marL="3108960" indent="0" algn="ctr">
+              <a:buNone/>
+              <a:defRPr sz="1360"/>
             </a:lvl9pPr>
           </a:lstStyle>
           <a:p>
@@ -232,18 +227,13 @@
               <a:rPr lang="en-US"/>
               <a:t>Click to edit Master subtitle style</a:t>
             </a:r>
-          </a:p>
-        </p:txBody>
-      </p:sp>
-      <p:sp>
-        <p:nvSpPr>
-          <p:cNvPr id="4" name="Date Placeholder 3">
-            <a:extLst>
-              <a:ext uri="{FF2B5EF4-FFF2-40B4-BE49-F238E27FC236}">
-                <a16:creationId xmlns:a16="http://schemas.microsoft.com/office/drawing/2014/main" id="{778CA00A-9B6E-43CD-89C6-A14D7552AEB7}"/>
-              </a:ext>
-            </a:extLst>
-          </p:cNvPr>
+            <a:endParaRPr lang="en-US" dirty="0"/>
+          </a:p>
+        </p:txBody>
+      </p:sp>
+      <p:sp>
+        <p:nvSpPr>
+          <p:cNvPr id="4" name="Date Placeholder 3"/>
           <p:cNvSpPr>
             <a:spLocks noGrp="1"/>
           </p:cNvSpPr>
@@ -258,7 +248,7 @@
           <a:p>
             <a:fld id="{6746ECBD-8877-467F-984B-AE1DF2F3C9C8}" type="datetimeFigureOut">
               <a:rPr lang="en-US" smtClean="0"/>
-              <a:t>3/26/2018</a:t>
+              <a:t>4/9/2018</a:t>
             </a:fld>
             <a:endParaRPr lang="en-US"/>
           </a:p>
@@ -266,13 +256,7 @@
       </p:sp>
       <p:sp>
         <p:nvSpPr>
-          <p:cNvPr id="5" name="Footer Placeholder 4">
-            <a:extLst>
-              <a:ext uri="{FF2B5EF4-FFF2-40B4-BE49-F238E27FC236}">
-                <a16:creationId xmlns:a16="http://schemas.microsoft.com/office/drawing/2014/main" id="{271893AE-7B72-4AB0-825E-932D8EEB7347}"/>
-              </a:ext>
-            </a:extLst>
-          </p:cNvPr>
+          <p:cNvPr id="5" name="Footer Placeholder 4"/>
           <p:cNvSpPr>
             <a:spLocks noGrp="1"/>
           </p:cNvSpPr>
@@ -291,13 +275,7 @@
       </p:sp>
       <p:sp>
         <p:nvSpPr>
-          <p:cNvPr id="6" name="Slide Number Placeholder 5">
-            <a:extLst>
-              <a:ext uri="{FF2B5EF4-FFF2-40B4-BE49-F238E27FC236}">
-                <a16:creationId xmlns:a16="http://schemas.microsoft.com/office/drawing/2014/main" id="{800C56E4-E01E-41A6-87DA-F7256A0D046F}"/>
-              </a:ext>
-            </a:extLst>
-          </p:cNvPr>
+          <p:cNvPr id="6" name="Slide Number Placeholder 5"/>
           <p:cNvSpPr>
             <a:spLocks noGrp="1"/>
           </p:cNvSpPr>
@@ -321,7 +299,7 @@
     </p:spTree>
     <p:extLst>
       <p:ext uri="{BB962C8B-B14F-4D97-AF65-F5344CB8AC3E}">
-        <p14:creationId xmlns:p14="http://schemas.microsoft.com/office/powerpoint/2010/main" val="1607047035"/>
+        <p14:creationId xmlns:p14="http://schemas.microsoft.com/office/powerpoint/2010/main" val="411817746"/>
       </p:ext>
     </p:extLst>
   </p:cSld>
@@ -350,13 +328,7 @@
       </p:grpSpPr>
       <p:sp>
         <p:nvSpPr>
-          <p:cNvPr id="2" name="Title 1">
-            <a:extLst>
-              <a:ext uri="{FF2B5EF4-FFF2-40B4-BE49-F238E27FC236}">
-                <a16:creationId xmlns:a16="http://schemas.microsoft.com/office/drawing/2014/main" id="{E70736EE-9398-47F8-9E81-28B01E04A41A}"/>
-              </a:ext>
-            </a:extLst>
-          </p:cNvPr>
+          <p:cNvPr id="2" name="Title 1"/>
           <p:cNvSpPr>
             <a:spLocks noGrp="1"/>
           </p:cNvSpPr>
@@ -373,18 +345,13 @@
               <a:rPr lang="en-US"/>
               <a:t>Click to edit Master title style</a:t>
             </a:r>
-          </a:p>
-        </p:txBody>
-      </p:sp>
-      <p:sp>
-        <p:nvSpPr>
-          <p:cNvPr id="3" name="Vertical Text Placeholder 2">
-            <a:extLst>
-              <a:ext uri="{FF2B5EF4-FFF2-40B4-BE49-F238E27FC236}">
-                <a16:creationId xmlns:a16="http://schemas.microsoft.com/office/drawing/2014/main" id="{CE303191-3C7F-42C5-8F84-EEDDEF753872}"/>
-              </a:ext>
-            </a:extLst>
-          </p:cNvPr>
+            <a:endParaRPr lang="en-US" dirty="0"/>
+          </a:p>
+        </p:txBody>
+      </p:sp>
+      <p:sp>
+        <p:nvSpPr>
+          <p:cNvPr id="3" name="Vertical Text Placeholder 2"/>
           <p:cNvSpPr>
             <a:spLocks noGrp="1"/>
           </p:cNvSpPr>
@@ -430,18 +397,13 @@
               <a:rPr lang="en-US"/>
               <a:t>Fifth level</a:t>
             </a:r>
-          </a:p>
-        </p:txBody>
-      </p:sp>
-      <p:sp>
-        <p:nvSpPr>
-          <p:cNvPr id="4" name="Date Placeholder 3">
-            <a:extLst>
-              <a:ext uri="{FF2B5EF4-FFF2-40B4-BE49-F238E27FC236}">
-                <a16:creationId xmlns:a16="http://schemas.microsoft.com/office/drawing/2014/main" id="{B20AEA03-F2FF-4E9B-AAF1-7FDB11E89FB5}"/>
-              </a:ext>
-            </a:extLst>
-          </p:cNvPr>
+            <a:endParaRPr lang="en-US" dirty="0"/>
+          </a:p>
+        </p:txBody>
+      </p:sp>
+      <p:sp>
+        <p:nvSpPr>
+          <p:cNvPr id="4" name="Date Placeholder 3"/>
           <p:cNvSpPr>
             <a:spLocks noGrp="1"/>
           </p:cNvSpPr>
@@ -456,7 +418,7 @@
           <a:p>
             <a:fld id="{6746ECBD-8877-467F-984B-AE1DF2F3C9C8}" type="datetimeFigureOut">
               <a:rPr lang="en-US" smtClean="0"/>
-              <a:t>3/26/2018</a:t>
+              <a:t>4/9/2018</a:t>
             </a:fld>
             <a:endParaRPr lang="en-US"/>
           </a:p>
@@ -464,13 +426,7 @@
       </p:sp>
       <p:sp>
         <p:nvSpPr>
-          <p:cNvPr id="5" name="Footer Placeholder 4">
-            <a:extLst>
-              <a:ext uri="{FF2B5EF4-FFF2-40B4-BE49-F238E27FC236}">
-                <a16:creationId xmlns:a16="http://schemas.microsoft.com/office/drawing/2014/main" id="{D31AE325-C2B2-492A-8D8B-41FDA833DB3D}"/>
-              </a:ext>
-            </a:extLst>
-          </p:cNvPr>
+          <p:cNvPr id="5" name="Footer Placeholder 4"/>
           <p:cNvSpPr>
             <a:spLocks noGrp="1"/>
           </p:cNvSpPr>
@@ -489,13 +445,7 @@
       </p:sp>
       <p:sp>
         <p:nvSpPr>
-          <p:cNvPr id="6" name="Slide Number Placeholder 5">
-            <a:extLst>
-              <a:ext uri="{FF2B5EF4-FFF2-40B4-BE49-F238E27FC236}">
-                <a16:creationId xmlns:a16="http://schemas.microsoft.com/office/drawing/2014/main" id="{C8586FD8-5CCE-4CEA-A2D0-ED1DCC66456D}"/>
-              </a:ext>
-            </a:extLst>
-          </p:cNvPr>
+          <p:cNvPr id="6" name="Slide Number Placeholder 5"/>
           <p:cNvSpPr>
             <a:spLocks noGrp="1"/>
           </p:cNvSpPr>
@@ -519,7 +469,7 @@
     </p:spTree>
     <p:extLst>
       <p:ext uri="{BB962C8B-B14F-4D97-AF65-F5344CB8AC3E}">
-        <p14:creationId xmlns:p14="http://schemas.microsoft.com/office/powerpoint/2010/main" val="2482664019"/>
+        <p14:creationId xmlns:p14="http://schemas.microsoft.com/office/powerpoint/2010/main" val="3990418763"/>
       </p:ext>
     </p:extLst>
   </p:cSld>
@@ -548,13 +498,7 @@
       </p:grpSpPr>
       <p:sp>
         <p:nvSpPr>
-          <p:cNvPr id="2" name="Vertical Title 1">
-            <a:extLst>
-              <a:ext uri="{FF2B5EF4-FFF2-40B4-BE49-F238E27FC236}">
-                <a16:creationId xmlns:a16="http://schemas.microsoft.com/office/drawing/2014/main" id="{0F3DEDDE-BBE2-4213-BFEB-604E0D58EBC9}"/>
-              </a:ext>
-            </a:extLst>
-          </p:cNvPr>
+          <p:cNvPr id="2" name="Vertical Title 1"/>
           <p:cNvSpPr>
             <a:spLocks noGrp="1"/>
           </p:cNvSpPr>
@@ -564,8 +508,8 @@
         </p:nvSpPr>
         <p:spPr>
           <a:xfrm>
-            <a:off x="8724900" y="365125"/>
-            <a:ext cx="2628900" cy="5811838"/>
+            <a:off x="5562124" y="535517"/>
+            <a:ext cx="1675924" cy="8524029"/>
           </a:xfrm>
         </p:spPr>
         <p:txBody>
@@ -576,18 +520,13 @@
               <a:rPr lang="en-US"/>
               <a:t>Click to edit Master title style</a:t>
             </a:r>
-          </a:p>
-        </p:txBody>
-      </p:sp>
-      <p:sp>
-        <p:nvSpPr>
-          <p:cNvPr id="3" name="Vertical Text Placeholder 2">
-            <a:extLst>
-              <a:ext uri="{FF2B5EF4-FFF2-40B4-BE49-F238E27FC236}">
-                <a16:creationId xmlns:a16="http://schemas.microsoft.com/office/drawing/2014/main" id="{FADB08CF-612E-4D3E-8664-0B2AADBE755D}"/>
-              </a:ext>
-            </a:extLst>
-          </p:cNvPr>
+            <a:endParaRPr lang="en-US" dirty="0"/>
+          </a:p>
+        </p:txBody>
+      </p:sp>
+      <p:sp>
+        <p:nvSpPr>
+          <p:cNvPr id="3" name="Vertical Text Placeholder 2"/>
           <p:cNvSpPr>
             <a:spLocks noGrp="1"/>
           </p:cNvSpPr>
@@ -597,8 +536,8 @@
         </p:nvSpPr>
         <p:spPr>
           <a:xfrm>
-            <a:off x="838200" y="365125"/>
-            <a:ext cx="7734300" cy="5811838"/>
+            <a:off x="534353" y="535517"/>
+            <a:ext cx="4930616" cy="8524029"/>
           </a:xfrm>
         </p:spPr>
         <p:txBody>
@@ -638,18 +577,13 @@
               <a:rPr lang="en-US"/>
               <a:t>Fifth level</a:t>
             </a:r>
-          </a:p>
-        </p:txBody>
-      </p:sp>
-      <p:sp>
-        <p:nvSpPr>
-          <p:cNvPr id="4" name="Date Placeholder 3">
-            <a:extLst>
-              <a:ext uri="{FF2B5EF4-FFF2-40B4-BE49-F238E27FC236}">
-                <a16:creationId xmlns:a16="http://schemas.microsoft.com/office/drawing/2014/main" id="{8F435935-3846-493F-9699-6BBB10E66855}"/>
-              </a:ext>
-            </a:extLst>
-          </p:cNvPr>
+            <a:endParaRPr lang="en-US" dirty="0"/>
+          </a:p>
+        </p:txBody>
+      </p:sp>
+      <p:sp>
+        <p:nvSpPr>
+          <p:cNvPr id="4" name="Date Placeholder 3"/>
           <p:cNvSpPr>
             <a:spLocks noGrp="1"/>
           </p:cNvSpPr>
@@ -664,7 +598,7 @@
           <a:p>
             <a:fld id="{6746ECBD-8877-467F-984B-AE1DF2F3C9C8}" type="datetimeFigureOut">
               <a:rPr lang="en-US" smtClean="0"/>
-              <a:t>3/26/2018</a:t>
+              <a:t>4/9/2018</a:t>
             </a:fld>
             <a:endParaRPr lang="en-US"/>
           </a:p>
@@ -672,13 +606,7 @@
       </p:sp>
       <p:sp>
         <p:nvSpPr>
-          <p:cNvPr id="5" name="Footer Placeholder 4">
-            <a:extLst>
-              <a:ext uri="{FF2B5EF4-FFF2-40B4-BE49-F238E27FC236}">
-                <a16:creationId xmlns:a16="http://schemas.microsoft.com/office/drawing/2014/main" id="{B24D156B-93D9-4B2A-BC30-20174FDCEDAE}"/>
-              </a:ext>
-            </a:extLst>
-          </p:cNvPr>
+          <p:cNvPr id="5" name="Footer Placeholder 4"/>
           <p:cNvSpPr>
             <a:spLocks noGrp="1"/>
           </p:cNvSpPr>
@@ -697,13 +625,7 @@
       </p:sp>
       <p:sp>
         <p:nvSpPr>
-          <p:cNvPr id="6" name="Slide Number Placeholder 5">
-            <a:extLst>
-              <a:ext uri="{FF2B5EF4-FFF2-40B4-BE49-F238E27FC236}">
-                <a16:creationId xmlns:a16="http://schemas.microsoft.com/office/drawing/2014/main" id="{7211FD6D-5129-467E-A535-E3477216FCBF}"/>
-              </a:ext>
-            </a:extLst>
-          </p:cNvPr>
+          <p:cNvPr id="6" name="Slide Number Placeholder 5"/>
           <p:cNvSpPr>
             <a:spLocks noGrp="1"/>
           </p:cNvSpPr>
@@ -727,7 +649,7 @@
     </p:spTree>
     <p:extLst>
       <p:ext uri="{BB962C8B-B14F-4D97-AF65-F5344CB8AC3E}">
-        <p14:creationId xmlns:p14="http://schemas.microsoft.com/office/powerpoint/2010/main" val="3641500230"/>
+        <p14:creationId xmlns:p14="http://schemas.microsoft.com/office/powerpoint/2010/main" val="4047195259"/>
       </p:ext>
     </p:extLst>
   </p:cSld>
@@ -756,13 +678,7 @@
       </p:grpSpPr>
       <p:sp>
         <p:nvSpPr>
-          <p:cNvPr id="2" name="Title 1">
-            <a:extLst>
-              <a:ext uri="{FF2B5EF4-FFF2-40B4-BE49-F238E27FC236}">
-                <a16:creationId xmlns:a16="http://schemas.microsoft.com/office/drawing/2014/main" id="{F58CF695-BCEE-44CF-B6C5-CF127BC39040}"/>
-              </a:ext>
-            </a:extLst>
-          </p:cNvPr>
+          <p:cNvPr id="2" name="Title 1"/>
           <p:cNvSpPr>
             <a:spLocks noGrp="1"/>
           </p:cNvSpPr>
@@ -779,18 +695,13 @@
               <a:rPr lang="en-US"/>
               <a:t>Click to edit Master title style</a:t>
             </a:r>
-          </a:p>
-        </p:txBody>
-      </p:sp>
-      <p:sp>
-        <p:nvSpPr>
-          <p:cNvPr id="3" name="Content Placeholder 2">
-            <a:extLst>
-              <a:ext uri="{FF2B5EF4-FFF2-40B4-BE49-F238E27FC236}">
-                <a16:creationId xmlns:a16="http://schemas.microsoft.com/office/drawing/2014/main" id="{444D5111-C9D7-45F1-83CF-F263B1862246}"/>
-              </a:ext>
-            </a:extLst>
-          </p:cNvPr>
+            <a:endParaRPr lang="en-US" dirty="0"/>
+          </a:p>
+        </p:txBody>
+      </p:sp>
+      <p:sp>
+        <p:nvSpPr>
+          <p:cNvPr id="3" name="Content Placeholder 2"/>
           <p:cNvSpPr>
             <a:spLocks noGrp="1"/>
           </p:cNvSpPr>
@@ -836,18 +747,13 @@
               <a:rPr lang="en-US"/>
               <a:t>Fifth level</a:t>
             </a:r>
-          </a:p>
-        </p:txBody>
-      </p:sp>
-      <p:sp>
-        <p:nvSpPr>
-          <p:cNvPr id="4" name="Date Placeholder 3">
-            <a:extLst>
-              <a:ext uri="{FF2B5EF4-FFF2-40B4-BE49-F238E27FC236}">
-                <a16:creationId xmlns:a16="http://schemas.microsoft.com/office/drawing/2014/main" id="{8A688EA1-8253-4AAD-A0E7-55B618F3C9E5}"/>
-              </a:ext>
-            </a:extLst>
-          </p:cNvPr>
+            <a:endParaRPr lang="en-US" dirty="0"/>
+          </a:p>
+        </p:txBody>
+      </p:sp>
+      <p:sp>
+        <p:nvSpPr>
+          <p:cNvPr id="4" name="Date Placeholder 3"/>
           <p:cNvSpPr>
             <a:spLocks noGrp="1"/>
           </p:cNvSpPr>
@@ -862,7 +768,7 @@
           <a:p>
             <a:fld id="{6746ECBD-8877-467F-984B-AE1DF2F3C9C8}" type="datetimeFigureOut">
               <a:rPr lang="en-US" smtClean="0"/>
-              <a:t>3/26/2018</a:t>
+              <a:t>4/9/2018</a:t>
             </a:fld>
             <a:endParaRPr lang="en-US"/>
           </a:p>
@@ -870,13 +776,7 @@
       </p:sp>
       <p:sp>
         <p:nvSpPr>
-          <p:cNvPr id="5" name="Footer Placeholder 4">
-            <a:extLst>
-              <a:ext uri="{FF2B5EF4-FFF2-40B4-BE49-F238E27FC236}">
-                <a16:creationId xmlns:a16="http://schemas.microsoft.com/office/drawing/2014/main" id="{DB5FFA25-F49D-42EF-8993-1135897759DC}"/>
-              </a:ext>
-            </a:extLst>
-          </p:cNvPr>
+          <p:cNvPr id="5" name="Footer Placeholder 4"/>
           <p:cNvSpPr>
             <a:spLocks noGrp="1"/>
           </p:cNvSpPr>
@@ -895,13 +795,7 @@
       </p:sp>
       <p:sp>
         <p:nvSpPr>
-          <p:cNvPr id="6" name="Slide Number Placeholder 5">
-            <a:extLst>
-              <a:ext uri="{FF2B5EF4-FFF2-40B4-BE49-F238E27FC236}">
-                <a16:creationId xmlns:a16="http://schemas.microsoft.com/office/drawing/2014/main" id="{513B78AD-5DFA-4C43-A1B5-3D7791C07833}"/>
-              </a:ext>
-            </a:extLst>
-          </p:cNvPr>
+          <p:cNvPr id="6" name="Slide Number Placeholder 5"/>
           <p:cNvSpPr>
             <a:spLocks noGrp="1"/>
           </p:cNvSpPr>
@@ -925,7 +819,7 @@
     </p:spTree>
     <p:extLst>
       <p:ext uri="{BB962C8B-B14F-4D97-AF65-F5344CB8AC3E}">
-        <p14:creationId xmlns:p14="http://schemas.microsoft.com/office/powerpoint/2010/main" val="3786310729"/>
+        <p14:creationId xmlns:p14="http://schemas.microsoft.com/office/powerpoint/2010/main" val="481788035"/>
       </p:ext>
     </p:extLst>
   </p:cSld>
@@ -954,13 +848,7 @@
       </p:grpSpPr>
       <p:sp>
         <p:nvSpPr>
-          <p:cNvPr id="2" name="Title 1">
-            <a:extLst>
-              <a:ext uri="{FF2B5EF4-FFF2-40B4-BE49-F238E27FC236}">
-                <a16:creationId xmlns:a16="http://schemas.microsoft.com/office/drawing/2014/main" id="{87C08519-3A3C-4A36-8770-B6790B2CC403}"/>
-              </a:ext>
-            </a:extLst>
-          </p:cNvPr>
+          <p:cNvPr id="2" name="Title 1"/>
           <p:cNvSpPr>
             <a:spLocks noGrp="1"/>
           </p:cNvSpPr>
@@ -970,15 +858,15 @@
         </p:nvSpPr>
         <p:spPr>
           <a:xfrm>
-            <a:off x="831850" y="1709738"/>
-            <a:ext cx="10515600" cy="2852737"/>
+            <a:off x="530305" y="2507618"/>
+            <a:ext cx="6703695" cy="4184014"/>
           </a:xfrm>
         </p:spPr>
         <p:txBody>
           <a:bodyPr anchor="b"/>
           <a:lstStyle>
             <a:lvl1pPr>
-              <a:defRPr sz="6000"/>
+              <a:defRPr sz="5100"/>
             </a:lvl1pPr>
           </a:lstStyle>
           <a:p>
@@ -986,18 +874,13 @@
               <a:rPr lang="en-US"/>
               <a:t>Click to edit Master title style</a:t>
             </a:r>
-          </a:p>
-        </p:txBody>
-      </p:sp>
-      <p:sp>
-        <p:nvSpPr>
-          <p:cNvPr id="3" name="Text Placeholder 2">
-            <a:extLst>
-              <a:ext uri="{FF2B5EF4-FFF2-40B4-BE49-F238E27FC236}">
-                <a16:creationId xmlns:a16="http://schemas.microsoft.com/office/drawing/2014/main" id="{7C2F8A3A-DCC5-439E-B708-09C229CBA71B}"/>
-              </a:ext>
-            </a:extLst>
-          </p:cNvPr>
+            <a:endParaRPr lang="en-US" dirty="0"/>
+          </a:p>
+        </p:txBody>
+      </p:sp>
+      <p:sp>
+        <p:nvSpPr>
+          <p:cNvPr id="3" name="Text Placeholder 2"/>
           <p:cNvSpPr>
             <a:spLocks noGrp="1"/>
           </p:cNvSpPr>
@@ -1007,8 +890,8 @@
         </p:nvSpPr>
         <p:spPr>
           <a:xfrm>
-            <a:off x="831850" y="4589463"/>
-            <a:ext cx="10515600" cy="1500187"/>
+            <a:off x="530305" y="6731215"/>
+            <a:ext cx="6703695" cy="2200274"/>
           </a:xfrm>
         </p:spPr>
         <p:txBody>
@@ -1016,17 +899,15 @@
           <a:lstStyle>
             <a:lvl1pPr marL="0" indent="0">
               <a:buNone/>
-              <a:defRPr sz="2400">
+              <a:defRPr sz="2040">
                 <a:solidFill>
-                  <a:schemeClr val="tx1">
-                    <a:tint val="75000"/>
-                  </a:schemeClr>
+                  <a:schemeClr val="tx1"/>
                 </a:solidFill>
               </a:defRPr>
             </a:lvl1pPr>
-            <a:lvl2pPr marL="457200" indent="0">
-              <a:buNone/>
-              <a:defRPr sz="2000">
+            <a:lvl2pPr marL="388620" indent="0">
+              <a:buNone/>
+              <a:defRPr sz="1700">
                 <a:solidFill>
                   <a:schemeClr val="tx1">
                     <a:tint val="75000"/>
@@ -1034,9 +915,9 @@
                 </a:solidFill>
               </a:defRPr>
             </a:lvl2pPr>
-            <a:lvl3pPr marL="914400" indent="0">
-              <a:buNone/>
-              <a:defRPr sz="1800">
+            <a:lvl3pPr marL="777240" indent="0">
+              <a:buNone/>
+              <a:defRPr sz="1530">
                 <a:solidFill>
                   <a:schemeClr val="tx1">
                     <a:tint val="75000"/>
@@ -1044,9 +925,9 @@
                 </a:solidFill>
               </a:defRPr>
             </a:lvl3pPr>
-            <a:lvl4pPr marL="1371600" indent="0">
-              <a:buNone/>
-              <a:defRPr sz="1600">
+            <a:lvl4pPr marL="1165860" indent="0">
+              <a:buNone/>
+              <a:defRPr sz="1360">
                 <a:solidFill>
                   <a:schemeClr val="tx1">
                     <a:tint val="75000"/>
@@ -1054,9 +935,9 @@
                 </a:solidFill>
               </a:defRPr>
             </a:lvl4pPr>
-            <a:lvl5pPr marL="1828800" indent="0">
-              <a:buNone/>
-              <a:defRPr sz="1600">
+            <a:lvl5pPr marL="1554480" indent="0">
+              <a:buNone/>
+              <a:defRPr sz="1360">
                 <a:solidFill>
                   <a:schemeClr val="tx1">
                     <a:tint val="75000"/>
@@ -1064,9 +945,9 @@
                 </a:solidFill>
               </a:defRPr>
             </a:lvl5pPr>
-            <a:lvl6pPr marL="2286000" indent="0">
-              <a:buNone/>
-              <a:defRPr sz="1600">
+            <a:lvl6pPr marL="1943100" indent="0">
+              <a:buNone/>
+              <a:defRPr sz="1360">
                 <a:solidFill>
                   <a:schemeClr val="tx1">
                     <a:tint val="75000"/>
@@ -1074,9 +955,9 @@
                 </a:solidFill>
               </a:defRPr>
             </a:lvl6pPr>
-            <a:lvl7pPr marL="2743200" indent="0">
-              <a:buNone/>
-              <a:defRPr sz="1600">
+            <a:lvl7pPr marL="2331720" indent="0">
+              <a:buNone/>
+              <a:defRPr sz="1360">
                 <a:solidFill>
                   <a:schemeClr val="tx1">
                     <a:tint val="75000"/>
@@ -1084,9 +965,9 @@
                 </a:solidFill>
               </a:defRPr>
             </a:lvl7pPr>
-            <a:lvl8pPr marL="3200400" indent="0">
-              <a:buNone/>
-              <a:defRPr sz="1600">
+            <a:lvl8pPr marL="2720340" indent="0">
+              <a:buNone/>
+              <a:defRPr sz="1360">
                 <a:solidFill>
                   <a:schemeClr val="tx1">
                     <a:tint val="75000"/>
@@ -1094,9 +975,9 @@
                 </a:solidFill>
               </a:defRPr>
             </a:lvl8pPr>
-            <a:lvl9pPr marL="3657600" indent="0">
-              <a:buNone/>
-              <a:defRPr sz="1600">
+            <a:lvl9pPr marL="3108960" indent="0">
+              <a:buNone/>
+              <a:defRPr sz="1360">
                 <a:solidFill>
                   <a:schemeClr val="tx1">
                     <a:tint val="75000"/>
@@ -1116,13 +997,7 @@
       </p:sp>
       <p:sp>
         <p:nvSpPr>
-          <p:cNvPr id="4" name="Date Placeholder 3">
-            <a:extLst>
-              <a:ext uri="{FF2B5EF4-FFF2-40B4-BE49-F238E27FC236}">
-                <a16:creationId xmlns:a16="http://schemas.microsoft.com/office/drawing/2014/main" id="{98800C50-53F4-465F-AD94-58A64AE86EB0}"/>
-              </a:ext>
-            </a:extLst>
-          </p:cNvPr>
+          <p:cNvPr id="4" name="Date Placeholder 3"/>
           <p:cNvSpPr>
             <a:spLocks noGrp="1"/>
           </p:cNvSpPr>
@@ -1137,7 +1012,7 @@
           <a:p>
             <a:fld id="{6746ECBD-8877-467F-984B-AE1DF2F3C9C8}" type="datetimeFigureOut">
               <a:rPr lang="en-US" smtClean="0"/>
-              <a:t>3/26/2018</a:t>
+              <a:t>4/9/2018</a:t>
             </a:fld>
             <a:endParaRPr lang="en-US"/>
           </a:p>
@@ -1145,13 +1020,7 @@
       </p:sp>
       <p:sp>
         <p:nvSpPr>
-          <p:cNvPr id="5" name="Footer Placeholder 4">
-            <a:extLst>
-              <a:ext uri="{FF2B5EF4-FFF2-40B4-BE49-F238E27FC236}">
-                <a16:creationId xmlns:a16="http://schemas.microsoft.com/office/drawing/2014/main" id="{29363011-0251-49E5-A42F-85B5903DE2BA}"/>
-              </a:ext>
-            </a:extLst>
-          </p:cNvPr>
+          <p:cNvPr id="5" name="Footer Placeholder 4"/>
           <p:cNvSpPr>
             <a:spLocks noGrp="1"/>
           </p:cNvSpPr>
@@ -1170,13 +1039,7 @@
       </p:sp>
       <p:sp>
         <p:nvSpPr>
-          <p:cNvPr id="6" name="Slide Number Placeholder 5">
-            <a:extLst>
-              <a:ext uri="{FF2B5EF4-FFF2-40B4-BE49-F238E27FC236}">
-                <a16:creationId xmlns:a16="http://schemas.microsoft.com/office/drawing/2014/main" id="{07D0AF11-FBB4-4834-B404-9EB90D549D13}"/>
-              </a:ext>
-            </a:extLst>
-          </p:cNvPr>
+          <p:cNvPr id="6" name="Slide Number Placeholder 5"/>
           <p:cNvSpPr>
             <a:spLocks noGrp="1"/>
           </p:cNvSpPr>
@@ -1200,7 +1063,7 @@
     </p:spTree>
     <p:extLst>
       <p:ext uri="{BB962C8B-B14F-4D97-AF65-F5344CB8AC3E}">
-        <p14:creationId xmlns:p14="http://schemas.microsoft.com/office/powerpoint/2010/main" val="1425685912"/>
+        <p14:creationId xmlns:p14="http://schemas.microsoft.com/office/powerpoint/2010/main" val="1136992491"/>
       </p:ext>
     </p:extLst>
   </p:cSld>
@@ -1229,13 +1092,7 @@
       </p:grpSpPr>
       <p:sp>
         <p:nvSpPr>
-          <p:cNvPr id="2" name="Title 1">
-            <a:extLst>
-              <a:ext uri="{FF2B5EF4-FFF2-40B4-BE49-F238E27FC236}">
-                <a16:creationId xmlns:a16="http://schemas.microsoft.com/office/drawing/2014/main" id="{7E78B967-4333-4B96-8AD5-54EE10E1ECE0}"/>
-              </a:ext>
-            </a:extLst>
-          </p:cNvPr>
+          <p:cNvPr id="2" name="Title 1"/>
           <p:cNvSpPr>
             <a:spLocks noGrp="1"/>
           </p:cNvSpPr>
@@ -1252,18 +1109,13 @@
               <a:rPr lang="en-US"/>
               <a:t>Click to edit Master title style</a:t>
             </a:r>
-          </a:p>
-        </p:txBody>
-      </p:sp>
-      <p:sp>
-        <p:nvSpPr>
-          <p:cNvPr id="3" name="Content Placeholder 2">
-            <a:extLst>
-              <a:ext uri="{FF2B5EF4-FFF2-40B4-BE49-F238E27FC236}">
-                <a16:creationId xmlns:a16="http://schemas.microsoft.com/office/drawing/2014/main" id="{E0A828C3-A225-4B82-ABCA-74E808BBD424}"/>
-              </a:ext>
-            </a:extLst>
-          </p:cNvPr>
+            <a:endParaRPr lang="en-US" dirty="0"/>
+          </a:p>
+        </p:txBody>
+      </p:sp>
+      <p:sp>
+        <p:nvSpPr>
+          <p:cNvPr id="3" name="Content Placeholder 2"/>
           <p:cNvSpPr>
             <a:spLocks noGrp="1"/>
           </p:cNvSpPr>
@@ -1273,8 +1125,8 @@
         </p:nvSpPr>
         <p:spPr>
           <a:xfrm>
-            <a:off x="838200" y="1825625"/>
-            <a:ext cx="5181600" cy="4351338"/>
+            <a:off x="534353" y="2677584"/>
+            <a:ext cx="3303270" cy="6381962"/>
           </a:xfrm>
         </p:spPr>
         <p:txBody>
@@ -1314,18 +1166,13 @@
               <a:rPr lang="en-US"/>
               <a:t>Fifth level</a:t>
             </a:r>
-          </a:p>
-        </p:txBody>
-      </p:sp>
-      <p:sp>
-        <p:nvSpPr>
-          <p:cNvPr id="4" name="Content Placeholder 3">
-            <a:extLst>
-              <a:ext uri="{FF2B5EF4-FFF2-40B4-BE49-F238E27FC236}">
-                <a16:creationId xmlns:a16="http://schemas.microsoft.com/office/drawing/2014/main" id="{1E0B0243-1D93-423E-A05F-9024ECB8CBEA}"/>
-              </a:ext>
-            </a:extLst>
-          </p:cNvPr>
+            <a:endParaRPr lang="en-US" dirty="0"/>
+          </a:p>
+        </p:txBody>
+      </p:sp>
+      <p:sp>
+        <p:nvSpPr>
+          <p:cNvPr id="4" name="Content Placeholder 3"/>
           <p:cNvSpPr>
             <a:spLocks noGrp="1"/>
           </p:cNvSpPr>
@@ -1335,8 +1182,8 @@
         </p:nvSpPr>
         <p:spPr>
           <a:xfrm>
-            <a:off x="6172200" y="1825625"/>
-            <a:ext cx="5181600" cy="4351338"/>
+            <a:off x="3934778" y="2677584"/>
+            <a:ext cx="3303270" cy="6381962"/>
           </a:xfrm>
         </p:spPr>
         <p:txBody>
@@ -1376,18 +1223,13 @@
               <a:rPr lang="en-US"/>
               <a:t>Fifth level</a:t>
             </a:r>
-          </a:p>
-        </p:txBody>
-      </p:sp>
-      <p:sp>
-        <p:nvSpPr>
-          <p:cNvPr id="5" name="Date Placeholder 4">
-            <a:extLst>
-              <a:ext uri="{FF2B5EF4-FFF2-40B4-BE49-F238E27FC236}">
-                <a16:creationId xmlns:a16="http://schemas.microsoft.com/office/drawing/2014/main" id="{935E6829-6947-4BBA-99EB-50859430490E}"/>
-              </a:ext>
-            </a:extLst>
-          </p:cNvPr>
+            <a:endParaRPr lang="en-US" dirty="0"/>
+          </a:p>
+        </p:txBody>
+      </p:sp>
+      <p:sp>
+        <p:nvSpPr>
+          <p:cNvPr id="5" name="Date Placeholder 4"/>
           <p:cNvSpPr>
             <a:spLocks noGrp="1"/>
           </p:cNvSpPr>
@@ -1402,7 +1244,7 @@
           <a:p>
             <a:fld id="{6746ECBD-8877-467F-984B-AE1DF2F3C9C8}" type="datetimeFigureOut">
               <a:rPr lang="en-US" smtClean="0"/>
-              <a:t>3/26/2018</a:t>
+              <a:t>4/9/2018</a:t>
             </a:fld>
             <a:endParaRPr lang="en-US"/>
           </a:p>
@@ -1410,13 +1252,7 @@
       </p:sp>
       <p:sp>
         <p:nvSpPr>
-          <p:cNvPr id="6" name="Footer Placeholder 5">
-            <a:extLst>
-              <a:ext uri="{FF2B5EF4-FFF2-40B4-BE49-F238E27FC236}">
-                <a16:creationId xmlns:a16="http://schemas.microsoft.com/office/drawing/2014/main" id="{F93E9A27-699B-4195-9A4B-4C9C51110EF0}"/>
-              </a:ext>
-            </a:extLst>
-          </p:cNvPr>
+          <p:cNvPr id="6" name="Footer Placeholder 5"/>
           <p:cNvSpPr>
             <a:spLocks noGrp="1"/>
           </p:cNvSpPr>
@@ -1435,13 +1271,7 @@
       </p:sp>
       <p:sp>
         <p:nvSpPr>
-          <p:cNvPr id="7" name="Slide Number Placeholder 6">
-            <a:extLst>
-              <a:ext uri="{FF2B5EF4-FFF2-40B4-BE49-F238E27FC236}">
-                <a16:creationId xmlns:a16="http://schemas.microsoft.com/office/drawing/2014/main" id="{34451DEB-E2AE-497E-9314-0E7534E638A8}"/>
-              </a:ext>
-            </a:extLst>
-          </p:cNvPr>
+          <p:cNvPr id="7" name="Slide Number Placeholder 6"/>
           <p:cNvSpPr>
             <a:spLocks noGrp="1"/>
           </p:cNvSpPr>
@@ -1465,7 +1295,7 @@
     </p:spTree>
     <p:extLst>
       <p:ext uri="{BB962C8B-B14F-4D97-AF65-F5344CB8AC3E}">
-        <p14:creationId xmlns:p14="http://schemas.microsoft.com/office/powerpoint/2010/main" val="4199454431"/>
+        <p14:creationId xmlns:p14="http://schemas.microsoft.com/office/powerpoint/2010/main" val="1392988114"/>
       </p:ext>
     </p:extLst>
   </p:cSld>
@@ -1494,13 +1324,7 @@
       </p:grpSpPr>
       <p:sp>
         <p:nvSpPr>
-          <p:cNvPr id="2" name="Title 1">
-            <a:extLst>
-              <a:ext uri="{FF2B5EF4-FFF2-40B4-BE49-F238E27FC236}">
-                <a16:creationId xmlns:a16="http://schemas.microsoft.com/office/drawing/2014/main" id="{FB4B7473-E48E-48FA-8C9A-AA5571F5CF38}"/>
-              </a:ext>
-            </a:extLst>
-          </p:cNvPr>
+          <p:cNvPr id="2" name="Title 1"/>
           <p:cNvSpPr>
             <a:spLocks noGrp="1"/>
           </p:cNvSpPr>
@@ -1510,8 +1334,8 @@
         </p:nvSpPr>
         <p:spPr>
           <a:xfrm>
-            <a:off x="839788" y="365125"/>
-            <a:ext cx="10515600" cy="1325563"/>
+            <a:off x="535365" y="535519"/>
+            <a:ext cx="6703695" cy="1944159"/>
           </a:xfrm>
         </p:spPr>
         <p:txBody>
@@ -1522,18 +1346,13 @@
               <a:rPr lang="en-US"/>
               <a:t>Click to edit Master title style</a:t>
             </a:r>
-          </a:p>
-        </p:txBody>
-      </p:sp>
-      <p:sp>
-        <p:nvSpPr>
-          <p:cNvPr id="3" name="Text Placeholder 2">
-            <a:extLst>
-              <a:ext uri="{FF2B5EF4-FFF2-40B4-BE49-F238E27FC236}">
-                <a16:creationId xmlns:a16="http://schemas.microsoft.com/office/drawing/2014/main" id="{9B27F4B3-E809-4F73-9CBA-2FB9340FA411}"/>
-              </a:ext>
-            </a:extLst>
-          </p:cNvPr>
+            <a:endParaRPr lang="en-US" dirty="0"/>
+          </a:p>
+        </p:txBody>
+      </p:sp>
+      <p:sp>
+        <p:nvSpPr>
+          <p:cNvPr id="3" name="Text Placeholder 2"/>
           <p:cNvSpPr>
             <a:spLocks noGrp="1"/>
           </p:cNvSpPr>
@@ -1543,8 +1362,8 @@
         </p:nvSpPr>
         <p:spPr>
           <a:xfrm>
-            <a:off x="839788" y="1681163"/>
-            <a:ext cx="5157787" cy="823912"/>
+            <a:off x="535366" y="2465706"/>
+            <a:ext cx="3288089" cy="1208404"/>
           </a:xfrm>
         </p:spPr>
         <p:txBody>
@@ -1552,39 +1371,39 @@
           <a:lstStyle>
             <a:lvl1pPr marL="0" indent="0">
               <a:buNone/>
-              <a:defRPr sz="2400" b="1"/>
+              <a:defRPr sz="2040" b="1"/>
             </a:lvl1pPr>
-            <a:lvl2pPr marL="457200" indent="0">
-              <a:buNone/>
-              <a:defRPr sz="2000" b="1"/>
+            <a:lvl2pPr marL="388620" indent="0">
+              <a:buNone/>
+              <a:defRPr sz="1700" b="1"/>
             </a:lvl2pPr>
-            <a:lvl3pPr marL="914400" indent="0">
-              <a:buNone/>
-              <a:defRPr sz="1800" b="1"/>
+            <a:lvl3pPr marL="777240" indent="0">
+              <a:buNone/>
+              <a:defRPr sz="1530" b="1"/>
             </a:lvl3pPr>
-            <a:lvl4pPr marL="1371600" indent="0">
-              <a:buNone/>
-              <a:defRPr sz="1600" b="1"/>
+            <a:lvl4pPr marL="1165860" indent="0">
+              <a:buNone/>
+              <a:defRPr sz="1360" b="1"/>
             </a:lvl4pPr>
-            <a:lvl5pPr marL="1828800" indent="0">
-              <a:buNone/>
-              <a:defRPr sz="1600" b="1"/>
+            <a:lvl5pPr marL="1554480" indent="0">
+              <a:buNone/>
+              <a:defRPr sz="1360" b="1"/>
             </a:lvl5pPr>
-            <a:lvl6pPr marL="2286000" indent="0">
-              <a:buNone/>
-              <a:defRPr sz="1600" b="1"/>
+            <a:lvl6pPr marL="1943100" indent="0">
+              <a:buNone/>
+              <a:defRPr sz="1360" b="1"/>
             </a:lvl6pPr>
-            <a:lvl7pPr marL="2743200" indent="0">
-              <a:buNone/>
-              <a:defRPr sz="1600" b="1"/>
+            <a:lvl7pPr marL="2331720" indent="0">
+              <a:buNone/>
+              <a:defRPr sz="1360" b="1"/>
             </a:lvl7pPr>
-            <a:lvl8pPr marL="3200400" indent="0">
-              <a:buNone/>
-              <a:defRPr sz="1600" b="1"/>
+            <a:lvl8pPr marL="2720340" indent="0">
+              <a:buNone/>
+              <a:defRPr sz="1360" b="1"/>
             </a:lvl8pPr>
-            <a:lvl9pPr marL="3657600" indent="0">
-              <a:buNone/>
-              <a:defRPr sz="1600" b="1"/>
+            <a:lvl9pPr marL="3108960" indent="0">
+              <a:buNone/>
+              <a:defRPr sz="1360" b="1"/>
             </a:lvl9pPr>
           </a:lstStyle>
           <a:p>
@@ -1598,13 +1417,7 @@
       </p:sp>
       <p:sp>
         <p:nvSpPr>
-          <p:cNvPr id="4" name="Content Placeholder 3">
-            <a:extLst>
-              <a:ext uri="{FF2B5EF4-FFF2-40B4-BE49-F238E27FC236}">
-                <a16:creationId xmlns:a16="http://schemas.microsoft.com/office/drawing/2014/main" id="{A9511C5C-F97F-4735-8494-D1CACCD9C830}"/>
-              </a:ext>
-            </a:extLst>
-          </p:cNvPr>
+          <p:cNvPr id="4" name="Content Placeholder 3"/>
           <p:cNvSpPr>
             <a:spLocks noGrp="1"/>
           </p:cNvSpPr>
@@ -1614,8 +1427,8 @@
         </p:nvSpPr>
         <p:spPr>
           <a:xfrm>
-            <a:off x="839788" y="2505075"/>
-            <a:ext cx="5157787" cy="3684588"/>
+            <a:off x="535366" y="3674110"/>
+            <a:ext cx="3288089" cy="5404062"/>
           </a:xfrm>
         </p:spPr>
         <p:txBody>
@@ -1655,18 +1468,13 @@
               <a:rPr lang="en-US"/>
               <a:t>Fifth level</a:t>
             </a:r>
-          </a:p>
-        </p:txBody>
-      </p:sp>
-      <p:sp>
-        <p:nvSpPr>
-          <p:cNvPr id="5" name="Text Placeholder 4">
-            <a:extLst>
-              <a:ext uri="{FF2B5EF4-FFF2-40B4-BE49-F238E27FC236}">
-                <a16:creationId xmlns:a16="http://schemas.microsoft.com/office/drawing/2014/main" id="{95276511-04CD-4423-A482-B3C2C607E78D}"/>
-              </a:ext>
-            </a:extLst>
-          </p:cNvPr>
+            <a:endParaRPr lang="en-US" dirty="0"/>
+          </a:p>
+        </p:txBody>
+      </p:sp>
+      <p:sp>
+        <p:nvSpPr>
+          <p:cNvPr id="5" name="Text Placeholder 4"/>
           <p:cNvSpPr>
             <a:spLocks noGrp="1"/>
           </p:cNvSpPr>
@@ -1676,8 +1484,8 @@
         </p:nvSpPr>
         <p:spPr>
           <a:xfrm>
-            <a:off x="6172200" y="1681163"/>
-            <a:ext cx="5183188" cy="823912"/>
+            <a:off x="3934778" y="2465706"/>
+            <a:ext cx="3304282" cy="1208404"/>
           </a:xfrm>
         </p:spPr>
         <p:txBody>
@@ -1685,39 +1493,39 @@
           <a:lstStyle>
             <a:lvl1pPr marL="0" indent="0">
               <a:buNone/>
-              <a:defRPr sz="2400" b="1"/>
+              <a:defRPr sz="2040" b="1"/>
             </a:lvl1pPr>
-            <a:lvl2pPr marL="457200" indent="0">
-              <a:buNone/>
-              <a:defRPr sz="2000" b="1"/>
+            <a:lvl2pPr marL="388620" indent="0">
+              <a:buNone/>
+              <a:defRPr sz="1700" b="1"/>
             </a:lvl2pPr>
-            <a:lvl3pPr marL="914400" indent="0">
-              <a:buNone/>
-              <a:defRPr sz="1800" b="1"/>
+            <a:lvl3pPr marL="777240" indent="0">
+              <a:buNone/>
+              <a:defRPr sz="1530" b="1"/>
             </a:lvl3pPr>
-            <a:lvl4pPr marL="1371600" indent="0">
-              <a:buNone/>
-              <a:defRPr sz="1600" b="1"/>
+            <a:lvl4pPr marL="1165860" indent="0">
+              <a:buNone/>
+              <a:defRPr sz="1360" b="1"/>
             </a:lvl4pPr>
-            <a:lvl5pPr marL="1828800" indent="0">
-              <a:buNone/>
-              <a:defRPr sz="1600" b="1"/>
+            <a:lvl5pPr marL="1554480" indent="0">
+              <a:buNone/>
+              <a:defRPr sz="1360" b="1"/>
             </a:lvl5pPr>
-            <a:lvl6pPr marL="2286000" indent="0">
-              <a:buNone/>
-              <a:defRPr sz="1600" b="1"/>
+            <a:lvl6pPr marL="1943100" indent="0">
+              <a:buNone/>
+              <a:defRPr sz="1360" b="1"/>
             </a:lvl6pPr>
-            <a:lvl7pPr marL="2743200" indent="0">
-              <a:buNone/>
-              <a:defRPr sz="1600" b="1"/>
+            <a:lvl7pPr marL="2331720" indent="0">
+              <a:buNone/>
+              <a:defRPr sz="1360" b="1"/>
             </a:lvl7pPr>
-            <a:lvl8pPr marL="3200400" indent="0">
-              <a:buNone/>
-              <a:defRPr sz="1600" b="1"/>
+            <a:lvl8pPr marL="2720340" indent="0">
+              <a:buNone/>
+              <a:defRPr sz="1360" b="1"/>
             </a:lvl8pPr>
-            <a:lvl9pPr marL="3657600" indent="0">
-              <a:buNone/>
-              <a:defRPr sz="1600" b="1"/>
+            <a:lvl9pPr marL="3108960" indent="0">
+              <a:buNone/>
+              <a:defRPr sz="1360" b="1"/>
             </a:lvl9pPr>
           </a:lstStyle>
           <a:p>
@@ -1731,13 +1539,7 @@
       </p:sp>
       <p:sp>
         <p:nvSpPr>
-          <p:cNvPr id="6" name="Content Placeholder 5">
-            <a:extLst>
-              <a:ext uri="{FF2B5EF4-FFF2-40B4-BE49-F238E27FC236}">
-                <a16:creationId xmlns:a16="http://schemas.microsoft.com/office/drawing/2014/main" id="{481DBD40-02E7-49F1-A811-CADBC56094AC}"/>
-              </a:ext>
-            </a:extLst>
-          </p:cNvPr>
+          <p:cNvPr id="6" name="Content Placeholder 5"/>
           <p:cNvSpPr>
             <a:spLocks noGrp="1"/>
           </p:cNvSpPr>
@@ -1747,8 +1549,8 @@
         </p:nvSpPr>
         <p:spPr>
           <a:xfrm>
-            <a:off x="6172200" y="2505075"/>
-            <a:ext cx="5183188" cy="3684588"/>
+            <a:off x="3934778" y="3674110"/>
+            <a:ext cx="3304282" cy="5404062"/>
           </a:xfrm>
         </p:spPr>
         <p:txBody>
@@ -1788,18 +1590,13 @@
               <a:rPr lang="en-US"/>
               <a:t>Fifth level</a:t>
             </a:r>
-          </a:p>
-        </p:txBody>
-      </p:sp>
-      <p:sp>
-        <p:nvSpPr>
-          <p:cNvPr id="7" name="Date Placeholder 6">
-            <a:extLst>
-              <a:ext uri="{FF2B5EF4-FFF2-40B4-BE49-F238E27FC236}">
-                <a16:creationId xmlns:a16="http://schemas.microsoft.com/office/drawing/2014/main" id="{FC3F433E-6339-422C-AA8F-2E83E99DF584}"/>
-              </a:ext>
-            </a:extLst>
-          </p:cNvPr>
+            <a:endParaRPr lang="en-US" dirty="0"/>
+          </a:p>
+        </p:txBody>
+      </p:sp>
+      <p:sp>
+        <p:nvSpPr>
+          <p:cNvPr id="7" name="Date Placeholder 6"/>
           <p:cNvSpPr>
             <a:spLocks noGrp="1"/>
           </p:cNvSpPr>
@@ -1814,7 +1611,7 @@
           <a:p>
             <a:fld id="{6746ECBD-8877-467F-984B-AE1DF2F3C9C8}" type="datetimeFigureOut">
               <a:rPr lang="en-US" smtClean="0"/>
-              <a:t>3/26/2018</a:t>
+              <a:t>4/9/2018</a:t>
             </a:fld>
             <a:endParaRPr lang="en-US"/>
           </a:p>
@@ -1822,13 +1619,7 @@
       </p:sp>
       <p:sp>
         <p:nvSpPr>
-          <p:cNvPr id="8" name="Footer Placeholder 7">
-            <a:extLst>
-              <a:ext uri="{FF2B5EF4-FFF2-40B4-BE49-F238E27FC236}">
-                <a16:creationId xmlns:a16="http://schemas.microsoft.com/office/drawing/2014/main" id="{D52F861F-D8AA-4063-993B-CFD34391AF11}"/>
-              </a:ext>
-            </a:extLst>
-          </p:cNvPr>
+          <p:cNvPr id="8" name="Footer Placeholder 7"/>
           <p:cNvSpPr>
             <a:spLocks noGrp="1"/>
           </p:cNvSpPr>
@@ -1847,13 +1638,7 @@
       </p:sp>
       <p:sp>
         <p:nvSpPr>
-          <p:cNvPr id="9" name="Slide Number Placeholder 8">
-            <a:extLst>
-              <a:ext uri="{FF2B5EF4-FFF2-40B4-BE49-F238E27FC236}">
-                <a16:creationId xmlns:a16="http://schemas.microsoft.com/office/drawing/2014/main" id="{59240F79-6393-47D3-B95F-7CEA3BB155B0}"/>
-              </a:ext>
-            </a:extLst>
-          </p:cNvPr>
+          <p:cNvPr id="9" name="Slide Number Placeholder 8"/>
           <p:cNvSpPr>
             <a:spLocks noGrp="1"/>
           </p:cNvSpPr>
@@ -1877,7 +1662,7 @@
     </p:spTree>
     <p:extLst>
       <p:ext uri="{BB962C8B-B14F-4D97-AF65-F5344CB8AC3E}">
-        <p14:creationId xmlns:p14="http://schemas.microsoft.com/office/powerpoint/2010/main" val="3113760575"/>
+        <p14:creationId xmlns:p14="http://schemas.microsoft.com/office/powerpoint/2010/main" val="1370415778"/>
       </p:ext>
     </p:extLst>
   </p:cSld>
@@ -1906,13 +1691,7 @@
       </p:grpSpPr>
       <p:sp>
         <p:nvSpPr>
-          <p:cNvPr id="2" name="Title 1">
-            <a:extLst>
-              <a:ext uri="{FF2B5EF4-FFF2-40B4-BE49-F238E27FC236}">
-                <a16:creationId xmlns:a16="http://schemas.microsoft.com/office/drawing/2014/main" id="{91D63CCD-E006-4E41-802E-4C2528B886AF}"/>
-              </a:ext>
-            </a:extLst>
-          </p:cNvPr>
+          <p:cNvPr id="2" name="Title 1"/>
           <p:cNvSpPr>
             <a:spLocks noGrp="1"/>
           </p:cNvSpPr>
@@ -1929,18 +1708,13 @@
               <a:rPr lang="en-US"/>
               <a:t>Click to edit Master title style</a:t>
             </a:r>
-          </a:p>
-        </p:txBody>
-      </p:sp>
-      <p:sp>
-        <p:nvSpPr>
-          <p:cNvPr id="3" name="Date Placeholder 2">
-            <a:extLst>
-              <a:ext uri="{FF2B5EF4-FFF2-40B4-BE49-F238E27FC236}">
-                <a16:creationId xmlns:a16="http://schemas.microsoft.com/office/drawing/2014/main" id="{052CB38B-3745-47DD-BBCA-1269D8866781}"/>
-              </a:ext>
-            </a:extLst>
-          </p:cNvPr>
+            <a:endParaRPr lang="en-US" dirty="0"/>
+          </a:p>
+        </p:txBody>
+      </p:sp>
+      <p:sp>
+        <p:nvSpPr>
+          <p:cNvPr id="3" name="Date Placeholder 2"/>
           <p:cNvSpPr>
             <a:spLocks noGrp="1"/>
           </p:cNvSpPr>
@@ -1955,7 +1729,7 @@
           <a:p>
             <a:fld id="{6746ECBD-8877-467F-984B-AE1DF2F3C9C8}" type="datetimeFigureOut">
               <a:rPr lang="en-US" smtClean="0"/>
-              <a:t>3/26/2018</a:t>
+              <a:t>4/9/2018</a:t>
             </a:fld>
             <a:endParaRPr lang="en-US"/>
           </a:p>
@@ -1963,13 +1737,7 @@
       </p:sp>
       <p:sp>
         <p:nvSpPr>
-          <p:cNvPr id="4" name="Footer Placeholder 3">
-            <a:extLst>
-              <a:ext uri="{FF2B5EF4-FFF2-40B4-BE49-F238E27FC236}">
-                <a16:creationId xmlns:a16="http://schemas.microsoft.com/office/drawing/2014/main" id="{1D98F2E4-E08A-489E-85C7-8452D64EC733}"/>
-              </a:ext>
-            </a:extLst>
-          </p:cNvPr>
+          <p:cNvPr id="4" name="Footer Placeholder 3"/>
           <p:cNvSpPr>
             <a:spLocks noGrp="1"/>
           </p:cNvSpPr>
@@ -1988,13 +1756,7 @@
       </p:sp>
       <p:sp>
         <p:nvSpPr>
-          <p:cNvPr id="5" name="Slide Number Placeholder 4">
-            <a:extLst>
-              <a:ext uri="{FF2B5EF4-FFF2-40B4-BE49-F238E27FC236}">
-                <a16:creationId xmlns:a16="http://schemas.microsoft.com/office/drawing/2014/main" id="{C8C5AE05-A0A7-4322-865F-459C3216EDE6}"/>
-              </a:ext>
-            </a:extLst>
-          </p:cNvPr>
+          <p:cNvPr id="5" name="Slide Number Placeholder 4"/>
           <p:cNvSpPr>
             <a:spLocks noGrp="1"/>
           </p:cNvSpPr>
@@ -2018,7 +1780,7 @@
     </p:spTree>
     <p:extLst>
       <p:ext uri="{BB962C8B-B14F-4D97-AF65-F5344CB8AC3E}">
-        <p14:creationId xmlns:p14="http://schemas.microsoft.com/office/powerpoint/2010/main" val="3732914950"/>
+        <p14:creationId xmlns:p14="http://schemas.microsoft.com/office/powerpoint/2010/main" val="2632693147"/>
       </p:ext>
     </p:extLst>
   </p:cSld>
@@ -2047,13 +1809,7 @@
       </p:grpSpPr>
       <p:sp>
         <p:nvSpPr>
-          <p:cNvPr id="2" name="Date Placeholder 1">
-            <a:extLst>
-              <a:ext uri="{FF2B5EF4-FFF2-40B4-BE49-F238E27FC236}">
-                <a16:creationId xmlns:a16="http://schemas.microsoft.com/office/drawing/2014/main" id="{0AA39D11-7B7F-4DC3-91AC-B1A7686A8873}"/>
-              </a:ext>
-            </a:extLst>
-          </p:cNvPr>
+          <p:cNvPr id="2" name="Date Placeholder 1"/>
           <p:cNvSpPr>
             <a:spLocks noGrp="1"/>
           </p:cNvSpPr>
@@ -2068,7 +1824,7 @@
           <a:p>
             <a:fld id="{6746ECBD-8877-467F-984B-AE1DF2F3C9C8}" type="datetimeFigureOut">
               <a:rPr lang="en-US" smtClean="0"/>
-              <a:t>3/26/2018</a:t>
+              <a:t>4/9/2018</a:t>
             </a:fld>
             <a:endParaRPr lang="en-US"/>
           </a:p>
@@ -2076,13 +1832,7 @@
       </p:sp>
       <p:sp>
         <p:nvSpPr>
-          <p:cNvPr id="3" name="Footer Placeholder 2">
-            <a:extLst>
-              <a:ext uri="{FF2B5EF4-FFF2-40B4-BE49-F238E27FC236}">
-                <a16:creationId xmlns:a16="http://schemas.microsoft.com/office/drawing/2014/main" id="{964E499B-CDBA-4A04-8779-23D4A5B9B55E}"/>
-              </a:ext>
-            </a:extLst>
-          </p:cNvPr>
+          <p:cNvPr id="3" name="Footer Placeholder 2"/>
           <p:cNvSpPr>
             <a:spLocks noGrp="1"/>
           </p:cNvSpPr>
@@ -2101,13 +1851,7 @@
       </p:sp>
       <p:sp>
         <p:nvSpPr>
-          <p:cNvPr id="4" name="Slide Number Placeholder 3">
-            <a:extLst>
-              <a:ext uri="{FF2B5EF4-FFF2-40B4-BE49-F238E27FC236}">
-                <a16:creationId xmlns:a16="http://schemas.microsoft.com/office/drawing/2014/main" id="{206EE050-39E6-4C2D-B882-9758C46D8EE6}"/>
-              </a:ext>
-            </a:extLst>
-          </p:cNvPr>
+          <p:cNvPr id="4" name="Slide Number Placeholder 3"/>
           <p:cNvSpPr>
             <a:spLocks noGrp="1"/>
           </p:cNvSpPr>
@@ -2131,7 +1875,7 @@
     </p:spTree>
     <p:extLst>
       <p:ext uri="{BB962C8B-B14F-4D97-AF65-F5344CB8AC3E}">
-        <p14:creationId xmlns:p14="http://schemas.microsoft.com/office/powerpoint/2010/main" val="1533942337"/>
+        <p14:creationId xmlns:p14="http://schemas.microsoft.com/office/powerpoint/2010/main" val="924859477"/>
       </p:ext>
     </p:extLst>
   </p:cSld>
@@ -2160,13 +1904,7 @@
       </p:grpSpPr>
       <p:sp>
         <p:nvSpPr>
-          <p:cNvPr id="2" name="Title 1">
-            <a:extLst>
-              <a:ext uri="{FF2B5EF4-FFF2-40B4-BE49-F238E27FC236}">
-                <a16:creationId xmlns:a16="http://schemas.microsoft.com/office/drawing/2014/main" id="{C68345A6-6EB8-4DEA-9C0D-84E571DD8351}"/>
-              </a:ext>
-            </a:extLst>
-          </p:cNvPr>
+          <p:cNvPr id="2" name="Title 1"/>
           <p:cNvSpPr>
             <a:spLocks noGrp="1"/>
           </p:cNvSpPr>
@@ -2176,15 +1914,15 @@
         </p:nvSpPr>
         <p:spPr>
           <a:xfrm>
-            <a:off x="839788" y="457200"/>
-            <a:ext cx="3932237" cy="1600200"/>
+            <a:off x="535365" y="670560"/>
+            <a:ext cx="2506801" cy="2346960"/>
           </a:xfrm>
         </p:spPr>
         <p:txBody>
           <a:bodyPr anchor="b"/>
           <a:lstStyle>
             <a:lvl1pPr>
-              <a:defRPr sz="3200"/>
+              <a:defRPr sz="2720"/>
             </a:lvl1pPr>
           </a:lstStyle>
           <a:p>
@@ -2192,18 +1930,13 @@
               <a:rPr lang="en-US"/>
               <a:t>Click to edit Master title style</a:t>
             </a:r>
-          </a:p>
-        </p:txBody>
-      </p:sp>
-      <p:sp>
-        <p:nvSpPr>
-          <p:cNvPr id="3" name="Content Placeholder 2">
-            <a:extLst>
-              <a:ext uri="{FF2B5EF4-FFF2-40B4-BE49-F238E27FC236}">
-                <a16:creationId xmlns:a16="http://schemas.microsoft.com/office/drawing/2014/main" id="{02E112DC-C22F-4752-AB65-C73D77D50D37}"/>
-              </a:ext>
-            </a:extLst>
-          </p:cNvPr>
+            <a:endParaRPr lang="en-US" dirty="0"/>
+          </a:p>
+        </p:txBody>
+      </p:sp>
+      <p:sp>
+        <p:nvSpPr>
+          <p:cNvPr id="3" name="Content Placeholder 2"/>
           <p:cNvSpPr>
             <a:spLocks noGrp="1"/>
           </p:cNvSpPr>
@@ -2213,39 +1946,39 @@
         </p:nvSpPr>
         <p:spPr>
           <a:xfrm>
-            <a:off x="5183188" y="987425"/>
-            <a:ext cx="6172200" cy="4873625"/>
+            <a:off x="3304282" y="1448226"/>
+            <a:ext cx="3934778" cy="7147983"/>
           </a:xfrm>
         </p:spPr>
         <p:txBody>
           <a:bodyPr/>
           <a:lstStyle>
             <a:lvl1pPr>
-              <a:defRPr sz="3200"/>
+              <a:defRPr sz="2720"/>
             </a:lvl1pPr>
             <a:lvl2pPr>
-              <a:defRPr sz="2800"/>
+              <a:defRPr sz="2380"/>
             </a:lvl2pPr>
             <a:lvl3pPr>
-              <a:defRPr sz="2400"/>
+              <a:defRPr sz="2040"/>
             </a:lvl3pPr>
             <a:lvl4pPr>
-              <a:defRPr sz="2000"/>
+              <a:defRPr sz="1700"/>
             </a:lvl4pPr>
             <a:lvl5pPr>
-              <a:defRPr sz="2000"/>
+              <a:defRPr sz="1700"/>
             </a:lvl5pPr>
             <a:lvl6pPr>
-              <a:defRPr sz="2000"/>
+              <a:defRPr sz="1700"/>
             </a:lvl6pPr>
             <a:lvl7pPr>
-              <a:defRPr sz="2000"/>
+              <a:defRPr sz="1700"/>
             </a:lvl7pPr>
             <a:lvl8pPr>
-              <a:defRPr sz="2000"/>
+              <a:defRPr sz="1700"/>
             </a:lvl8pPr>
             <a:lvl9pPr>
-              <a:defRPr sz="2000"/>
+              <a:defRPr sz="1700"/>
             </a:lvl9pPr>
           </a:lstStyle>
           <a:p>
@@ -2282,18 +2015,13 @@
               <a:rPr lang="en-US"/>
               <a:t>Fifth level</a:t>
             </a:r>
-          </a:p>
-        </p:txBody>
-      </p:sp>
-      <p:sp>
-        <p:nvSpPr>
-          <p:cNvPr id="4" name="Text Placeholder 3">
-            <a:extLst>
-              <a:ext uri="{FF2B5EF4-FFF2-40B4-BE49-F238E27FC236}">
-                <a16:creationId xmlns:a16="http://schemas.microsoft.com/office/drawing/2014/main" id="{F0E18827-5743-4330-8F4D-AEFA535DF740}"/>
-              </a:ext>
-            </a:extLst>
-          </p:cNvPr>
+            <a:endParaRPr lang="en-US" dirty="0"/>
+          </a:p>
+        </p:txBody>
+      </p:sp>
+      <p:sp>
+        <p:nvSpPr>
+          <p:cNvPr id="4" name="Text Placeholder 3"/>
           <p:cNvSpPr>
             <a:spLocks noGrp="1"/>
           </p:cNvSpPr>
@@ -2303,8 +2031,8 @@
         </p:nvSpPr>
         <p:spPr>
           <a:xfrm>
-            <a:off x="839788" y="2057400"/>
-            <a:ext cx="3932237" cy="3811588"/>
+            <a:off x="535365" y="3017520"/>
+            <a:ext cx="2506801" cy="5590329"/>
           </a:xfrm>
         </p:spPr>
         <p:txBody>
@@ -2312,39 +2040,39 @@
           <a:lstStyle>
             <a:lvl1pPr marL="0" indent="0">
               <a:buNone/>
-              <a:defRPr sz="1600"/>
+              <a:defRPr sz="1360"/>
             </a:lvl1pPr>
-            <a:lvl2pPr marL="457200" indent="0">
-              <a:buNone/>
-              <a:defRPr sz="1400"/>
+            <a:lvl2pPr marL="388620" indent="0">
+              <a:buNone/>
+              <a:defRPr sz="1190"/>
             </a:lvl2pPr>
-            <a:lvl3pPr marL="914400" indent="0">
-              <a:buNone/>
-              <a:defRPr sz="1200"/>
+            <a:lvl3pPr marL="777240" indent="0">
+              <a:buNone/>
+              <a:defRPr sz="1020"/>
             </a:lvl3pPr>
-            <a:lvl4pPr marL="1371600" indent="0">
-              <a:buNone/>
-              <a:defRPr sz="1000"/>
+            <a:lvl4pPr marL="1165860" indent="0">
+              <a:buNone/>
+              <a:defRPr sz="850"/>
             </a:lvl4pPr>
-            <a:lvl5pPr marL="1828800" indent="0">
-              <a:buNone/>
-              <a:defRPr sz="1000"/>
+            <a:lvl5pPr marL="1554480" indent="0">
+              <a:buNone/>
+              <a:defRPr sz="850"/>
             </a:lvl5pPr>
-            <a:lvl6pPr marL="2286000" indent="0">
-              <a:buNone/>
-              <a:defRPr sz="1000"/>
+            <a:lvl6pPr marL="1943100" indent="0">
+              <a:buNone/>
+              <a:defRPr sz="850"/>
             </a:lvl6pPr>
-            <a:lvl7pPr marL="2743200" indent="0">
-              <a:buNone/>
-              <a:defRPr sz="1000"/>
+            <a:lvl7pPr marL="2331720" indent="0">
+              <a:buNone/>
+              <a:defRPr sz="850"/>
             </a:lvl7pPr>
-            <a:lvl8pPr marL="3200400" indent="0">
-              <a:buNone/>
-              <a:defRPr sz="1000"/>
+            <a:lvl8pPr marL="2720340" indent="0">
+              <a:buNone/>
+              <a:defRPr sz="850"/>
             </a:lvl8pPr>
-            <a:lvl9pPr marL="3657600" indent="0">
-              <a:buNone/>
-              <a:defRPr sz="1000"/>
+            <a:lvl9pPr marL="3108960" indent="0">
+              <a:buNone/>
+              <a:defRPr sz="850"/>
             </a:lvl9pPr>
           </a:lstStyle>
           <a:p>
@@ -2358,13 +2086,7 @@
       </p:sp>
       <p:sp>
         <p:nvSpPr>
-          <p:cNvPr id="5" name="Date Placeholder 4">
-            <a:extLst>
-              <a:ext uri="{FF2B5EF4-FFF2-40B4-BE49-F238E27FC236}">
-                <a16:creationId xmlns:a16="http://schemas.microsoft.com/office/drawing/2014/main" id="{B9EB5DFB-22A2-480B-8539-26C96258899E}"/>
-              </a:ext>
-            </a:extLst>
-          </p:cNvPr>
+          <p:cNvPr id="5" name="Date Placeholder 4"/>
           <p:cNvSpPr>
             <a:spLocks noGrp="1"/>
           </p:cNvSpPr>
@@ -2379,7 +2101,7 @@
           <a:p>
             <a:fld id="{6746ECBD-8877-467F-984B-AE1DF2F3C9C8}" type="datetimeFigureOut">
               <a:rPr lang="en-US" smtClean="0"/>
-              <a:t>3/26/2018</a:t>
+              <a:t>4/9/2018</a:t>
             </a:fld>
             <a:endParaRPr lang="en-US"/>
           </a:p>
@@ -2387,13 +2109,7 @@
       </p:sp>
       <p:sp>
         <p:nvSpPr>
-          <p:cNvPr id="6" name="Footer Placeholder 5">
-            <a:extLst>
-              <a:ext uri="{FF2B5EF4-FFF2-40B4-BE49-F238E27FC236}">
-                <a16:creationId xmlns:a16="http://schemas.microsoft.com/office/drawing/2014/main" id="{69A69267-376C-4361-A109-96255912BFFF}"/>
-              </a:ext>
-            </a:extLst>
-          </p:cNvPr>
+          <p:cNvPr id="6" name="Footer Placeholder 5"/>
           <p:cNvSpPr>
             <a:spLocks noGrp="1"/>
           </p:cNvSpPr>
@@ -2412,13 +2128,7 @@
       </p:sp>
       <p:sp>
         <p:nvSpPr>
-          <p:cNvPr id="7" name="Slide Number Placeholder 6">
-            <a:extLst>
-              <a:ext uri="{FF2B5EF4-FFF2-40B4-BE49-F238E27FC236}">
-                <a16:creationId xmlns:a16="http://schemas.microsoft.com/office/drawing/2014/main" id="{0B4E05D8-2E8B-4068-94C7-1F24C2F976D1}"/>
-              </a:ext>
-            </a:extLst>
-          </p:cNvPr>
+          <p:cNvPr id="7" name="Slide Number Placeholder 6"/>
           <p:cNvSpPr>
             <a:spLocks noGrp="1"/>
           </p:cNvSpPr>
@@ -2442,7 +2152,7 @@
     </p:spTree>
     <p:extLst>
       <p:ext uri="{BB962C8B-B14F-4D97-AF65-F5344CB8AC3E}">
-        <p14:creationId xmlns:p14="http://schemas.microsoft.com/office/powerpoint/2010/main" val="4241608403"/>
+        <p14:creationId xmlns:p14="http://schemas.microsoft.com/office/powerpoint/2010/main" val="2522975308"/>
       </p:ext>
     </p:extLst>
   </p:cSld>
@@ -2471,13 +2181,7 @@
       </p:grpSpPr>
       <p:sp>
         <p:nvSpPr>
-          <p:cNvPr id="2" name="Title 1">
-            <a:extLst>
-              <a:ext uri="{FF2B5EF4-FFF2-40B4-BE49-F238E27FC236}">
-                <a16:creationId xmlns:a16="http://schemas.microsoft.com/office/drawing/2014/main" id="{9FAFBB2B-0C8B-4D90-87E1-D8427236E17D}"/>
-              </a:ext>
-            </a:extLst>
-          </p:cNvPr>
+          <p:cNvPr id="2" name="Title 1"/>
           <p:cNvSpPr>
             <a:spLocks noGrp="1"/>
           </p:cNvSpPr>
@@ -2487,15 +2191,15 @@
         </p:nvSpPr>
         <p:spPr>
           <a:xfrm>
-            <a:off x="839788" y="457200"/>
-            <a:ext cx="3932237" cy="1600200"/>
+            <a:off x="535365" y="670560"/>
+            <a:ext cx="2506801" cy="2346960"/>
           </a:xfrm>
         </p:spPr>
         <p:txBody>
           <a:bodyPr anchor="b"/>
           <a:lstStyle>
             <a:lvl1pPr>
-              <a:defRPr sz="3200"/>
+              <a:defRPr sz="2720"/>
             </a:lvl1pPr>
           </a:lstStyle>
           <a:p>
@@ -2503,20 +2207,15 @@
               <a:rPr lang="en-US"/>
               <a:t>Click to edit Master title style</a:t>
             </a:r>
-          </a:p>
-        </p:txBody>
-      </p:sp>
-      <p:sp>
-        <p:nvSpPr>
-          <p:cNvPr id="3" name="Picture Placeholder 2">
-            <a:extLst>
-              <a:ext uri="{FF2B5EF4-FFF2-40B4-BE49-F238E27FC236}">
-                <a16:creationId xmlns:a16="http://schemas.microsoft.com/office/drawing/2014/main" id="{0EF60AD1-BC8C-4D38-BF0A-BF53C4CADE5F}"/>
-              </a:ext>
-            </a:extLst>
-          </p:cNvPr>
-          <p:cNvSpPr>
-            <a:spLocks noGrp="1"/>
+            <a:endParaRPr lang="en-US" dirty="0"/>
+          </a:p>
+        </p:txBody>
+      </p:sp>
+      <p:sp>
+        <p:nvSpPr>
+          <p:cNvPr id="3" name="Picture Placeholder 2"/>
+          <p:cNvSpPr>
+            <a:spLocks noGrp="1" noChangeAspect="1"/>
           </p:cNvSpPr>
           <p:nvPr>
             <p:ph type="pic" idx="1"/>
@@ -2524,64 +2223,62 @@
         </p:nvSpPr>
         <p:spPr>
           <a:xfrm>
-            <a:off x="5183188" y="987425"/>
-            <a:ext cx="6172200" cy="4873625"/>
+            <a:off x="3304282" y="1448226"/>
+            <a:ext cx="3934778" cy="7147983"/>
           </a:xfrm>
         </p:spPr>
         <p:txBody>
-          <a:bodyPr/>
+          <a:bodyPr anchor="t"/>
           <a:lstStyle>
             <a:lvl1pPr marL="0" indent="0">
               <a:buNone/>
-              <a:defRPr sz="3200"/>
+              <a:defRPr sz="2720"/>
             </a:lvl1pPr>
-            <a:lvl2pPr marL="457200" indent="0">
-              <a:buNone/>
-              <a:defRPr sz="2800"/>
+            <a:lvl2pPr marL="388620" indent="0">
+              <a:buNone/>
+              <a:defRPr sz="2380"/>
             </a:lvl2pPr>
-            <a:lvl3pPr marL="914400" indent="0">
-              <a:buNone/>
-              <a:defRPr sz="2400"/>
+            <a:lvl3pPr marL="777240" indent="0">
+              <a:buNone/>
+              <a:defRPr sz="2040"/>
             </a:lvl3pPr>
-            <a:lvl4pPr marL="1371600" indent="0">
-              <a:buNone/>
-              <a:defRPr sz="2000"/>
+            <a:lvl4pPr marL="1165860" indent="0">
+              <a:buNone/>
+              <a:defRPr sz="1700"/>
             </a:lvl4pPr>
-            <a:lvl5pPr marL="1828800" indent="0">
-              <a:buNone/>
-              <a:defRPr sz="2000"/>
+            <a:lvl5pPr marL="1554480" indent="0">
+              <a:buNone/>
+              <a:defRPr sz="1700"/>
             </a:lvl5pPr>
-            <a:lvl6pPr marL="2286000" indent="0">
-              <a:buNone/>
-              <a:defRPr sz="2000"/>
+            <a:lvl6pPr marL="1943100" indent="0">
+              <a:buNone/>
+              <a:defRPr sz="1700"/>
             </a:lvl6pPr>
-            <a:lvl7pPr marL="2743200" indent="0">
-              <a:buNone/>
-              <a:defRPr sz="2000"/>
+            <a:lvl7pPr marL="2331720" indent="0">
+              <a:buNone/>
+              <a:defRPr sz="1700"/>
             </a:lvl7pPr>
-            <a:lvl8pPr marL="3200400" indent="0">
-              <a:buNone/>
-              <a:defRPr sz="2000"/>
+            <a:lvl8pPr marL="2720340" indent="0">
+              <a:buNone/>
+              <a:defRPr sz="1700"/>
             </a:lvl8pPr>
-            <a:lvl9pPr marL="3657600" indent="0">
-              <a:buNone/>
-              <a:defRPr sz="2000"/>
+            <a:lvl9pPr marL="3108960" indent="0">
+              <a:buNone/>
+              <a:defRPr sz="1700"/>
             </a:lvl9pPr>
           </a:lstStyle>
           <a:p>
-            <a:endParaRPr lang="en-US"/>
-          </a:p>
-        </p:txBody>
-      </p:sp>
-      <p:sp>
-        <p:nvSpPr>
-          <p:cNvPr id="4" name="Text Placeholder 3">
-            <a:extLst>
-              <a:ext uri="{FF2B5EF4-FFF2-40B4-BE49-F238E27FC236}">
-                <a16:creationId xmlns:a16="http://schemas.microsoft.com/office/drawing/2014/main" id="{4031EE14-0A18-4713-8EA9-37E9EA0996D5}"/>
-              </a:ext>
-            </a:extLst>
-          </p:cNvPr>
+            <a:r>
+              <a:rPr lang="en-US"/>
+              <a:t>Click icon to add picture</a:t>
+            </a:r>
+            <a:endParaRPr lang="en-US" dirty="0"/>
+          </a:p>
+        </p:txBody>
+      </p:sp>
+      <p:sp>
+        <p:nvSpPr>
+          <p:cNvPr id="4" name="Text Placeholder 3"/>
           <p:cNvSpPr>
             <a:spLocks noGrp="1"/>
           </p:cNvSpPr>
@@ -2591,8 +2288,8 @@
         </p:nvSpPr>
         <p:spPr>
           <a:xfrm>
-            <a:off x="839788" y="2057400"/>
-            <a:ext cx="3932237" cy="3811588"/>
+            <a:off x="535365" y="3017520"/>
+            <a:ext cx="2506801" cy="5590329"/>
           </a:xfrm>
         </p:spPr>
         <p:txBody>
@@ -2600,39 +2297,39 @@
           <a:lstStyle>
             <a:lvl1pPr marL="0" indent="0">
               <a:buNone/>
-              <a:defRPr sz="1600"/>
+              <a:defRPr sz="1360"/>
             </a:lvl1pPr>
-            <a:lvl2pPr marL="457200" indent="0">
-              <a:buNone/>
-              <a:defRPr sz="1400"/>
+            <a:lvl2pPr marL="388620" indent="0">
+              <a:buNone/>
+              <a:defRPr sz="1190"/>
             </a:lvl2pPr>
-            <a:lvl3pPr marL="914400" indent="0">
-              <a:buNone/>
-              <a:defRPr sz="1200"/>
+            <a:lvl3pPr marL="777240" indent="0">
+              <a:buNone/>
+              <a:defRPr sz="1020"/>
             </a:lvl3pPr>
-            <a:lvl4pPr marL="1371600" indent="0">
-              <a:buNone/>
-              <a:defRPr sz="1000"/>
+            <a:lvl4pPr marL="1165860" indent="0">
+              <a:buNone/>
+              <a:defRPr sz="850"/>
             </a:lvl4pPr>
-            <a:lvl5pPr marL="1828800" indent="0">
-              <a:buNone/>
-              <a:defRPr sz="1000"/>
+            <a:lvl5pPr marL="1554480" indent="0">
+              <a:buNone/>
+              <a:defRPr sz="850"/>
             </a:lvl5pPr>
-            <a:lvl6pPr marL="2286000" indent="0">
-              <a:buNone/>
-              <a:defRPr sz="1000"/>
+            <a:lvl6pPr marL="1943100" indent="0">
+              <a:buNone/>
+              <a:defRPr sz="850"/>
             </a:lvl6pPr>
-            <a:lvl7pPr marL="2743200" indent="0">
-              <a:buNone/>
-              <a:defRPr sz="1000"/>
+            <a:lvl7pPr marL="2331720" indent="0">
+              <a:buNone/>
+              <a:defRPr sz="850"/>
             </a:lvl7pPr>
-            <a:lvl8pPr marL="3200400" indent="0">
-              <a:buNone/>
-              <a:defRPr sz="1000"/>
+            <a:lvl8pPr marL="2720340" indent="0">
+              <a:buNone/>
+              <a:defRPr sz="850"/>
             </a:lvl8pPr>
-            <a:lvl9pPr marL="3657600" indent="0">
-              <a:buNone/>
-              <a:defRPr sz="1000"/>
+            <a:lvl9pPr marL="3108960" indent="0">
+              <a:buNone/>
+              <a:defRPr sz="850"/>
             </a:lvl9pPr>
           </a:lstStyle>
           <a:p>
@@ -2646,13 +2343,7 @@
       </p:sp>
       <p:sp>
         <p:nvSpPr>
-          <p:cNvPr id="5" name="Date Placeholder 4">
-            <a:extLst>
-              <a:ext uri="{FF2B5EF4-FFF2-40B4-BE49-F238E27FC236}">
-                <a16:creationId xmlns:a16="http://schemas.microsoft.com/office/drawing/2014/main" id="{313AAD5A-2587-4A25-BFB4-6A1D1006F061}"/>
-              </a:ext>
-            </a:extLst>
-          </p:cNvPr>
+          <p:cNvPr id="5" name="Date Placeholder 4"/>
           <p:cNvSpPr>
             <a:spLocks noGrp="1"/>
           </p:cNvSpPr>
@@ -2667,7 +2358,7 @@
           <a:p>
             <a:fld id="{6746ECBD-8877-467F-984B-AE1DF2F3C9C8}" type="datetimeFigureOut">
               <a:rPr lang="en-US" smtClean="0"/>
-              <a:t>3/26/2018</a:t>
+              <a:t>4/9/2018</a:t>
             </a:fld>
             <a:endParaRPr lang="en-US"/>
           </a:p>
@@ -2675,13 +2366,7 @@
       </p:sp>
       <p:sp>
         <p:nvSpPr>
-          <p:cNvPr id="6" name="Footer Placeholder 5">
-            <a:extLst>
-              <a:ext uri="{FF2B5EF4-FFF2-40B4-BE49-F238E27FC236}">
-                <a16:creationId xmlns:a16="http://schemas.microsoft.com/office/drawing/2014/main" id="{E0BD5A7D-1E63-4DD7-8C5C-25910623E3B5}"/>
-              </a:ext>
-            </a:extLst>
-          </p:cNvPr>
+          <p:cNvPr id="6" name="Footer Placeholder 5"/>
           <p:cNvSpPr>
             <a:spLocks noGrp="1"/>
           </p:cNvSpPr>
@@ -2700,13 +2385,7 @@
       </p:sp>
       <p:sp>
         <p:nvSpPr>
-          <p:cNvPr id="7" name="Slide Number Placeholder 6">
-            <a:extLst>
-              <a:ext uri="{FF2B5EF4-FFF2-40B4-BE49-F238E27FC236}">
-                <a16:creationId xmlns:a16="http://schemas.microsoft.com/office/drawing/2014/main" id="{1E9D2AE1-9FA0-49A7-BB61-31D858CB3CE5}"/>
-              </a:ext>
-            </a:extLst>
-          </p:cNvPr>
+          <p:cNvPr id="7" name="Slide Number Placeholder 6"/>
           <p:cNvSpPr>
             <a:spLocks noGrp="1"/>
           </p:cNvSpPr>
@@ -2730,7 +2409,7 @@
     </p:spTree>
     <p:extLst>
       <p:ext uri="{BB962C8B-B14F-4D97-AF65-F5344CB8AC3E}">
-        <p14:creationId xmlns:p14="http://schemas.microsoft.com/office/powerpoint/2010/main" val="1134123218"/>
+        <p14:creationId xmlns:p14="http://schemas.microsoft.com/office/powerpoint/2010/main" val="3370925694"/>
       </p:ext>
     </p:extLst>
   </p:cSld>
@@ -2764,13 +2443,7 @@
       </p:grpSpPr>
       <p:sp>
         <p:nvSpPr>
-          <p:cNvPr id="2" name="Title Placeholder 1">
-            <a:extLst>
-              <a:ext uri="{FF2B5EF4-FFF2-40B4-BE49-F238E27FC236}">
-                <a16:creationId xmlns:a16="http://schemas.microsoft.com/office/drawing/2014/main" id="{43E9A859-421E-4FB9-B460-9F26B57C2604}"/>
-              </a:ext>
-            </a:extLst>
-          </p:cNvPr>
+          <p:cNvPr id="2" name="Title Placeholder 1"/>
           <p:cNvSpPr>
             <a:spLocks noGrp="1"/>
           </p:cNvSpPr>
@@ -2780,8 +2453,8 @@
         </p:nvSpPr>
         <p:spPr>
           <a:xfrm>
-            <a:off x="838200" y="365125"/>
-            <a:ext cx="10515600" cy="1325563"/>
+            <a:off x="534353" y="535519"/>
+            <a:ext cx="6703695" cy="1944159"/>
           </a:xfrm>
           <a:prstGeom prst="rect">
             <a:avLst/>
@@ -2797,18 +2470,13 @@
               <a:rPr lang="en-US"/>
               <a:t>Click to edit Master title style</a:t>
             </a:r>
-          </a:p>
-        </p:txBody>
-      </p:sp>
-      <p:sp>
-        <p:nvSpPr>
-          <p:cNvPr id="3" name="Text Placeholder 2">
-            <a:extLst>
-              <a:ext uri="{FF2B5EF4-FFF2-40B4-BE49-F238E27FC236}">
-                <a16:creationId xmlns:a16="http://schemas.microsoft.com/office/drawing/2014/main" id="{553A2723-7508-41AE-8BA6-5E021BADDD00}"/>
-              </a:ext>
-            </a:extLst>
-          </p:cNvPr>
+            <a:endParaRPr lang="en-US" dirty="0"/>
+          </a:p>
+        </p:txBody>
+      </p:sp>
+      <p:sp>
+        <p:nvSpPr>
+          <p:cNvPr id="3" name="Text Placeholder 2"/>
           <p:cNvSpPr>
             <a:spLocks noGrp="1"/>
           </p:cNvSpPr>
@@ -2818,8 +2486,8 @@
         </p:nvSpPr>
         <p:spPr>
           <a:xfrm>
-            <a:off x="838200" y="1825625"/>
-            <a:ext cx="10515600" cy="4351338"/>
+            <a:off x="534353" y="2677584"/>
+            <a:ext cx="6703695" cy="6381962"/>
           </a:xfrm>
           <a:prstGeom prst="rect">
             <a:avLst/>
@@ -2864,18 +2532,13 @@
               <a:rPr lang="en-US"/>
               <a:t>Fifth level</a:t>
             </a:r>
-          </a:p>
-        </p:txBody>
-      </p:sp>
-      <p:sp>
-        <p:nvSpPr>
-          <p:cNvPr id="4" name="Date Placeholder 3">
-            <a:extLst>
-              <a:ext uri="{FF2B5EF4-FFF2-40B4-BE49-F238E27FC236}">
-                <a16:creationId xmlns:a16="http://schemas.microsoft.com/office/drawing/2014/main" id="{1F1E0745-F6A6-4259-98FE-292D9CDC7CC9}"/>
-              </a:ext>
-            </a:extLst>
-          </p:cNvPr>
+            <a:endParaRPr lang="en-US" dirty="0"/>
+          </a:p>
+        </p:txBody>
+      </p:sp>
+      <p:sp>
+        <p:nvSpPr>
+          <p:cNvPr id="4" name="Date Placeholder 3"/>
           <p:cNvSpPr>
             <a:spLocks noGrp="1"/>
           </p:cNvSpPr>
@@ -2885,8 +2548,8 @@
         </p:nvSpPr>
         <p:spPr>
           <a:xfrm>
-            <a:off x="838200" y="6356350"/>
-            <a:ext cx="2743200" cy="365125"/>
+            <a:off x="534353" y="9322649"/>
+            <a:ext cx="1748790" cy="535517"/>
           </a:xfrm>
           <a:prstGeom prst="rect">
             <a:avLst/>
@@ -2896,7 +2559,7 @@
           <a:bodyPr vert="horz" lIns="91440" tIns="45720" rIns="91440" bIns="45720" rtlCol="0" anchor="ctr"/>
           <a:lstStyle>
             <a:lvl1pPr algn="l">
-              <a:defRPr sz="1200">
+              <a:defRPr sz="1020">
                 <a:solidFill>
                   <a:schemeClr val="tx1">
                     <a:tint val="75000"/>
@@ -2908,7 +2571,7 @@
           <a:p>
             <a:fld id="{6746ECBD-8877-467F-984B-AE1DF2F3C9C8}" type="datetimeFigureOut">
               <a:rPr lang="en-US" smtClean="0"/>
-              <a:t>3/26/2018</a:t>
+              <a:t>4/9/2018</a:t>
             </a:fld>
             <a:endParaRPr lang="en-US"/>
           </a:p>
@@ -2916,13 +2579,7 @@
       </p:sp>
       <p:sp>
         <p:nvSpPr>
-          <p:cNvPr id="5" name="Footer Placeholder 4">
-            <a:extLst>
-              <a:ext uri="{FF2B5EF4-FFF2-40B4-BE49-F238E27FC236}">
-                <a16:creationId xmlns:a16="http://schemas.microsoft.com/office/drawing/2014/main" id="{41500822-EF7A-40C4-8986-0EF90FE78D26}"/>
-              </a:ext>
-            </a:extLst>
-          </p:cNvPr>
+          <p:cNvPr id="5" name="Footer Placeholder 4"/>
           <p:cNvSpPr>
             <a:spLocks noGrp="1"/>
           </p:cNvSpPr>
@@ -2932,8 +2589,8 @@
         </p:nvSpPr>
         <p:spPr>
           <a:xfrm>
-            <a:off x="4038600" y="6356350"/>
-            <a:ext cx="4114800" cy="365125"/>
+            <a:off x="2574608" y="9322649"/>
+            <a:ext cx="2623185" cy="535517"/>
           </a:xfrm>
           <a:prstGeom prst="rect">
             <a:avLst/>
@@ -2943,7 +2600,7 @@
           <a:bodyPr vert="horz" lIns="91440" tIns="45720" rIns="91440" bIns="45720" rtlCol="0" anchor="ctr"/>
           <a:lstStyle>
             <a:lvl1pPr algn="ctr">
-              <a:defRPr sz="1200">
+              <a:defRPr sz="1020">
                 <a:solidFill>
                   <a:schemeClr val="tx1">
                     <a:tint val="75000"/>
@@ -2959,13 +2616,7 @@
       </p:sp>
       <p:sp>
         <p:nvSpPr>
-          <p:cNvPr id="6" name="Slide Number Placeholder 5">
-            <a:extLst>
-              <a:ext uri="{FF2B5EF4-FFF2-40B4-BE49-F238E27FC236}">
-                <a16:creationId xmlns:a16="http://schemas.microsoft.com/office/drawing/2014/main" id="{C6D6B8FF-DDB6-431A-B84B-233C2594788E}"/>
-              </a:ext>
-            </a:extLst>
-          </p:cNvPr>
+          <p:cNvPr id="6" name="Slide Number Placeholder 5"/>
           <p:cNvSpPr>
             <a:spLocks noGrp="1"/>
           </p:cNvSpPr>
@@ -2975,8 +2626,8 @@
         </p:nvSpPr>
         <p:spPr>
           <a:xfrm>
-            <a:off x="8610600" y="6356350"/>
-            <a:ext cx="2743200" cy="365125"/>
+            <a:off x="5489258" y="9322649"/>
+            <a:ext cx="1748790" cy="535517"/>
           </a:xfrm>
           <a:prstGeom prst="rect">
             <a:avLst/>
@@ -2986,7 +2637,7 @@
           <a:bodyPr vert="horz" lIns="91440" tIns="45720" rIns="91440" bIns="45720" rtlCol="0" anchor="ctr"/>
           <a:lstStyle>
             <a:lvl1pPr algn="r">
-              <a:defRPr sz="1200">
+              <a:defRPr sz="1020">
                 <a:solidFill>
                   <a:schemeClr val="tx1">
                     <a:tint val="75000"/>
@@ -3007,27 +2658,27 @@
     </p:spTree>
     <p:extLst>
       <p:ext uri="{BB962C8B-B14F-4D97-AF65-F5344CB8AC3E}">
-        <p14:creationId xmlns:p14="http://schemas.microsoft.com/office/powerpoint/2010/main" val="3621577810"/>
+        <p14:creationId xmlns:p14="http://schemas.microsoft.com/office/powerpoint/2010/main" val="3689219314"/>
       </p:ext>
     </p:extLst>
   </p:cSld>
   <p:clrMap bg1="lt1" tx1="dk1" bg2="lt2" tx2="dk2" accent1="accent1" accent2="accent2" accent3="accent3" accent4="accent4" accent5="accent5" accent6="accent6" hlink="hlink" folHlink="folHlink"/>
   <p:sldLayoutIdLst>
-    <p:sldLayoutId id="2147483649" r:id="rId1"/>
-    <p:sldLayoutId id="2147483650" r:id="rId2"/>
-    <p:sldLayoutId id="2147483651" r:id="rId3"/>
-    <p:sldLayoutId id="2147483652" r:id="rId4"/>
-    <p:sldLayoutId id="2147483653" r:id="rId5"/>
-    <p:sldLayoutId id="2147483654" r:id="rId6"/>
-    <p:sldLayoutId id="2147483655" r:id="rId7"/>
-    <p:sldLayoutId id="2147483656" r:id="rId8"/>
-    <p:sldLayoutId id="2147483657" r:id="rId9"/>
-    <p:sldLayoutId id="2147483658" r:id="rId10"/>
-    <p:sldLayoutId id="2147483659" r:id="rId11"/>
+    <p:sldLayoutId id="2147483661" r:id="rId1"/>
+    <p:sldLayoutId id="2147483662" r:id="rId2"/>
+    <p:sldLayoutId id="2147483663" r:id="rId3"/>
+    <p:sldLayoutId id="2147483664" r:id="rId4"/>
+    <p:sldLayoutId id="2147483665" r:id="rId5"/>
+    <p:sldLayoutId id="2147483666" r:id="rId6"/>
+    <p:sldLayoutId id="2147483667" r:id="rId7"/>
+    <p:sldLayoutId id="2147483668" r:id="rId8"/>
+    <p:sldLayoutId id="2147483669" r:id="rId9"/>
+    <p:sldLayoutId id="2147483670" r:id="rId10"/>
+    <p:sldLayoutId id="2147483671" r:id="rId11"/>
   </p:sldLayoutIdLst>
   <p:txStyles>
     <p:titleStyle>
-      <a:lvl1pPr algn="l" defTabSz="914400" rtl="0" eaLnBrk="1" latinLnBrk="0" hangingPunct="1">
+      <a:lvl1pPr algn="l" defTabSz="777240" rtl="0" eaLnBrk="1" latinLnBrk="0" hangingPunct="1">
         <a:lnSpc>
           <a:spcPct val="90000"/>
         </a:lnSpc>
@@ -3035,7 +2686,7 @@
           <a:spcPct val="0"/>
         </a:spcBef>
         <a:buNone/>
-        <a:defRPr sz="4400" kern="1200">
+        <a:defRPr sz="3740" kern="1200">
           <a:solidFill>
             <a:schemeClr val="tx1"/>
           </a:solidFill>
@@ -3046,16 +2697,16 @@
       </a:lvl1pPr>
     </p:titleStyle>
     <p:bodyStyle>
-      <a:lvl1pPr marL="228600" indent="-228600" algn="l" defTabSz="914400" rtl="0" eaLnBrk="1" latinLnBrk="0" hangingPunct="1">
+      <a:lvl1pPr marL="194310" indent="-194310" algn="l" defTabSz="777240" rtl="0" eaLnBrk="1" latinLnBrk="0" hangingPunct="1">
         <a:lnSpc>
           <a:spcPct val="90000"/>
         </a:lnSpc>
         <a:spcBef>
-          <a:spcPts val="1000"/>
+          <a:spcPts val="850"/>
         </a:spcBef>
         <a:buFont typeface="Arial" panose="020B0604020202020204" pitchFamily="34" charset="0"/>
         <a:buChar char="•"/>
-        <a:defRPr sz="2800" kern="1200">
+        <a:defRPr sz="2380" kern="1200">
           <a:solidFill>
             <a:schemeClr val="tx1"/>
           </a:solidFill>
@@ -3064,16 +2715,16 @@
           <a:cs typeface="+mn-cs"/>
         </a:defRPr>
       </a:lvl1pPr>
-      <a:lvl2pPr marL="685800" indent="-228600" algn="l" defTabSz="914400" rtl="0" eaLnBrk="1" latinLnBrk="0" hangingPunct="1">
+      <a:lvl2pPr marL="582930" indent="-194310" algn="l" defTabSz="777240" rtl="0" eaLnBrk="1" latinLnBrk="0" hangingPunct="1">
         <a:lnSpc>
           <a:spcPct val="90000"/>
         </a:lnSpc>
         <a:spcBef>
-          <a:spcPts val="500"/>
+          <a:spcPts val="425"/>
         </a:spcBef>
         <a:buFont typeface="Arial" panose="020B0604020202020204" pitchFamily="34" charset="0"/>
         <a:buChar char="•"/>
-        <a:defRPr sz="2400" kern="1200">
+        <a:defRPr sz="2040" kern="1200">
           <a:solidFill>
             <a:schemeClr val="tx1"/>
           </a:solidFill>
@@ -3082,16 +2733,16 @@
           <a:cs typeface="+mn-cs"/>
         </a:defRPr>
       </a:lvl2pPr>
-      <a:lvl3pPr marL="1143000" indent="-228600" algn="l" defTabSz="914400" rtl="0" eaLnBrk="1" latinLnBrk="0" hangingPunct="1">
+      <a:lvl3pPr marL="971550" indent="-194310" algn="l" defTabSz="777240" rtl="0" eaLnBrk="1" latinLnBrk="0" hangingPunct="1">
         <a:lnSpc>
           <a:spcPct val="90000"/>
         </a:lnSpc>
         <a:spcBef>
-          <a:spcPts val="500"/>
+          <a:spcPts val="425"/>
         </a:spcBef>
         <a:buFont typeface="Arial" panose="020B0604020202020204" pitchFamily="34" charset="0"/>
         <a:buChar char="•"/>
-        <a:defRPr sz="2000" kern="1200">
+        <a:defRPr sz="1700" kern="1200">
           <a:solidFill>
             <a:schemeClr val="tx1"/>
           </a:solidFill>
@@ -3100,16 +2751,16 @@
           <a:cs typeface="+mn-cs"/>
         </a:defRPr>
       </a:lvl3pPr>
-      <a:lvl4pPr marL="1600200" indent="-228600" algn="l" defTabSz="914400" rtl="0" eaLnBrk="1" latinLnBrk="0" hangingPunct="1">
+      <a:lvl4pPr marL="1360170" indent="-194310" algn="l" defTabSz="777240" rtl="0" eaLnBrk="1" latinLnBrk="0" hangingPunct="1">
         <a:lnSpc>
           <a:spcPct val="90000"/>
         </a:lnSpc>
         <a:spcBef>
-          <a:spcPts val="500"/>
+          <a:spcPts val="425"/>
         </a:spcBef>
         <a:buFont typeface="Arial" panose="020B0604020202020204" pitchFamily="34" charset="0"/>
         <a:buChar char="•"/>
-        <a:defRPr sz="1800" kern="1200">
+        <a:defRPr sz="1530" kern="1200">
           <a:solidFill>
             <a:schemeClr val="tx1"/>
           </a:solidFill>
@@ -3118,16 +2769,16 @@
           <a:cs typeface="+mn-cs"/>
         </a:defRPr>
       </a:lvl4pPr>
-      <a:lvl5pPr marL="2057400" indent="-228600" algn="l" defTabSz="914400" rtl="0" eaLnBrk="1" latinLnBrk="0" hangingPunct="1">
+      <a:lvl5pPr marL="1748790" indent="-194310" algn="l" defTabSz="777240" rtl="0" eaLnBrk="1" latinLnBrk="0" hangingPunct="1">
         <a:lnSpc>
           <a:spcPct val="90000"/>
         </a:lnSpc>
         <a:spcBef>
-          <a:spcPts val="500"/>
+          <a:spcPts val="425"/>
         </a:spcBef>
         <a:buFont typeface="Arial" panose="020B0604020202020204" pitchFamily="34" charset="0"/>
         <a:buChar char="•"/>
-        <a:defRPr sz="1800" kern="1200">
+        <a:defRPr sz="1530" kern="1200">
           <a:solidFill>
             <a:schemeClr val="tx1"/>
           </a:solidFill>
@@ -3136,16 +2787,16 @@
           <a:cs typeface="+mn-cs"/>
         </a:defRPr>
       </a:lvl5pPr>
-      <a:lvl6pPr marL="2514600" indent="-228600" algn="l" defTabSz="914400" rtl="0" eaLnBrk="1" latinLnBrk="0" hangingPunct="1">
+      <a:lvl6pPr marL="2137410" indent="-194310" algn="l" defTabSz="777240" rtl="0" eaLnBrk="1" latinLnBrk="0" hangingPunct="1">
         <a:lnSpc>
           <a:spcPct val="90000"/>
         </a:lnSpc>
         <a:spcBef>
-          <a:spcPts val="500"/>
+          <a:spcPts val="425"/>
         </a:spcBef>
         <a:buFont typeface="Arial" panose="020B0604020202020204" pitchFamily="34" charset="0"/>
         <a:buChar char="•"/>
-        <a:defRPr sz="1800" kern="1200">
+        <a:defRPr sz="1530" kern="1200">
           <a:solidFill>
             <a:schemeClr val="tx1"/>
           </a:solidFill>
@@ -3154,16 +2805,16 @@
           <a:cs typeface="+mn-cs"/>
         </a:defRPr>
       </a:lvl6pPr>
-      <a:lvl7pPr marL="2971800" indent="-228600" algn="l" defTabSz="914400" rtl="0" eaLnBrk="1" latinLnBrk="0" hangingPunct="1">
+      <a:lvl7pPr marL="2526030" indent="-194310" algn="l" defTabSz="777240" rtl="0" eaLnBrk="1" latinLnBrk="0" hangingPunct="1">
         <a:lnSpc>
           <a:spcPct val="90000"/>
         </a:lnSpc>
         <a:spcBef>
-          <a:spcPts val="500"/>
+          <a:spcPts val="425"/>
         </a:spcBef>
         <a:buFont typeface="Arial" panose="020B0604020202020204" pitchFamily="34" charset="0"/>
         <a:buChar char="•"/>
-        <a:defRPr sz="1800" kern="1200">
+        <a:defRPr sz="1530" kern="1200">
           <a:solidFill>
             <a:schemeClr val="tx1"/>
           </a:solidFill>
@@ -3172,16 +2823,16 @@
           <a:cs typeface="+mn-cs"/>
         </a:defRPr>
       </a:lvl7pPr>
-      <a:lvl8pPr marL="3429000" indent="-228600" algn="l" defTabSz="914400" rtl="0" eaLnBrk="1" latinLnBrk="0" hangingPunct="1">
+      <a:lvl8pPr marL="2914650" indent="-194310" algn="l" defTabSz="777240" rtl="0" eaLnBrk="1" latinLnBrk="0" hangingPunct="1">
         <a:lnSpc>
           <a:spcPct val="90000"/>
         </a:lnSpc>
         <a:spcBef>
-          <a:spcPts val="500"/>
+          <a:spcPts val="425"/>
         </a:spcBef>
         <a:buFont typeface="Arial" panose="020B0604020202020204" pitchFamily="34" charset="0"/>
         <a:buChar char="•"/>
-        <a:defRPr sz="1800" kern="1200">
+        <a:defRPr sz="1530" kern="1200">
           <a:solidFill>
             <a:schemeClr val="tx1"/>
           </a:solidFill>
@@ -3190,16 +2841,16 @@
           <a:cs typeface="+mn-cs"/>
         </a:defRPr>
       </a:lvl8pPr>
-      <a:lvl9pPr marL="3886200" indent="-228600" algn="l" defTabSz="914400" rtl="0" eaLnBrk="1" latinLnBrk="0" hangingPunct="1">
+      <a:lvl9pPr marL="3303270" indent="-194310" algn="l" defTabSz="777240" rtl="0" eaLnBrk="1" latinLnBrk="0" hangingPunct="1">
         <a:lnSpc>
           <a:spcPct val="90000"/>
         </a:lnSpc>
         <a:spcBef>
-          <a:spcPts val="500"/>
+          <a:spcPts val="425"/>
         </a:spcBef>
         <a:buFont typeface="Arial" panose="020B0604020202020204" pitchFamily="34" charset="0"/>
         <a:buChar char="•"/>
-        <a:defRPr sz="1800" kern="1200">
+        <a:defRPr sz="1530" kern="1200">
           <a:solidFill>
             <a:schemeClr val="tx1"/>
           </a:solidFill>
@@ -3213,8 +2864,8 @@
       <a:defPPr>
         <a:defRPr lang="en-US"/>
       </a:defPPr>
-      <a:lvl1pPr marL="0" algn="l" defTabSz="914400" rtl="0" eaLnBrk="1" latinLnBrk="0" hangingPunct="1">
-        <a:defRPr sz="1800" kern="1200">
+      <a:lvl1pPr marL="0" algn="l" defTabSz="777240" rtl="0" eaLnBrk="1" latinLnBrk="0" hangingPunct="1">
+        <a:defRPr sz="1530" kern="1200">
           <a:solidFill>
             <a:schemeClr val="tx1"/>
           </a:solidFill>
@@ -3223,8 +2874,8 @@
           <a:cs typeface="+mn-cs"/>
         </a:defRPr>
       </a:lvl1pPr>
-      <a:lvl2pPr marL="457200" algn="l" defTabSz="914400" rtl="0" eaLnBrk="1" latinLnBrk="0" hangingPunct="1">
-        <a:defRPr sz="1800" kern="1200">
+      <a:lvl2pPr marL="388620" algn="l" defTabSz="777240" rtl="0" eaLnBrk="1" latinLnBrk="0" hangingPunct="1">
+        <a:defRPr sz="1530" kern="1200">
           <a:solidFill>
             <a:schemeClr val="tx1"/>
           </a:solidFill>
@@ -3233,8 +2884,8 @@
           <a:cs typeface="+mn-cs"/>
         </a:defRPr>
       </a:lvl2pPr>
-      <a:lvl3pPr marL="914400" algn="l" defTabSz="914400" rtl="0" eaLnBrk="1" latinLnBrk="0" hangingPunct="1">
-        <a:defRPr sz="1800" kern="1200">
+      <a:lvl3pPr marL="777240" algn="l" defTabSz="777240" rtl="0" eaLnBrk="1" latinLnBrk="0" hangingPunct="1">
+        <a:defRPr sz="1530" kern="1200">
           <a:solidFill>
             <a:schemeClr val="tx1"/>
           </a:solidFill>
@@ -3243,8 +2894,8 @@
           <a:cs typeface="+mn-cs"/>
         </a:defRPr>
       </a:lvl3pPr>
-      <a:lvl4pPr marL="1371600" algn="l" defTabSz="914400" rtl="0" eaLnBrk="1" latinLnBrk="0" hangingPunct="1">
-        <a:defRPr sz="1800" kern="1200">
+      <a:lvl4pPr marL="1165860" algn="l" defTabSz="777240" rtl="0" eaLnBrk="1" latinLnBrk="0" hangingPunct="1">
+        <a:defRPr sz="1530" kern="1200">
           <a:solidFill>
             <a:schemeClr val="tx1"/>
           </a:solidFill>
@@ -3253,8 +2904,8 @@
           <a:cs typeface="+mn-cs"/>
         </a:defRPr>
       </a:lvl4pPr>
-      <a:lvl5pPr marL="1828800" algn="l" defTabSz="914400" rtl="0" eaLnBrk="1" latinLnBrk="0" hangingPunct="1">
-        <a:defRPr sz="1800" kern="1200">
+      <a:lvl5pPr marL="1554480" algn="l" defTabSz="777240" rtl="0" eaLnBrk="1" latinLnBrk="0" hangingPunct="1">
+        <a:defRPr sz="1530" kern="1200">
           <a:solidFill>
             <a:schemeClr val="tx1"/>
           </a:solidFill>
@@ -3263,8 +2914,8 @@
           <a:cs typeface="+mn-cs"/>
         </a:defRPr>
       </a:lvl5pPr>
-      <a:lvl6pPr marL="2286000" algn="l" defTabSz="914400" rtl="0" eaLnBrk="1" latinLnBrk="0" hangingPunct="1">
-        <a:defRPr sz="1800" kern="1200">
+      <a:lvl6pPr marL="1943100" algn="l" defTabSz="777240" rtl="0" eaLnBrk="1" latinLnBrk="0" hangingPunct="1">
+        <a:defRPr sz="1530" kern="1200">
           <a:solidFill>
             <a:schemeClr val="tx1"/>
           </a:solidFill>
@@ -3273,8 +2924,8 @@
           <a:cs typeface="+mn-cs"/>
         </a:defRPr>
       </a:lvl6pPr>
-      <a:lvl7pPr marL="2743200" algn="l" defTabSz="914400" rtl="0" eaLnBrk="1" latinLnBrk="0" hangingPunct="1">
-        <a:defRPr sz="1800" kern="1200">
+      <a:lvl7pPr marL="2331720" algn="l" defTabSz="777240" rtl="0" eaLnBrk="1" latinLnBrk="0" hangingPunct="1">
+        <a:defRPr sz="1530" kern="1200">
           <a:solidFill>
             <a:schemeClr val="tx1"/>
           </a:solidFill>
@@ -3283,8 +2934,8 @@
           <a:cs typeface="+mn-cs"/>
         </a:defRPr>
       </a:lvl7pPr>
-      <a:lvl8pPr marL="3200400" algn="l" defTabSz="914400" rtl="0" eaLnBrk="1" latinLnBrk="0" hangingPunct="1">
-        <a:defRPr sz="1800" kern="1200">
+      <a:lvl8pPr marL="2720340" algn="l" defTabSz="777240" rtl="0" eaLnBrk="1" latinLnBrk="0" hangingPunct="1">
+        <a:defRPr sz="1530" kern="1200">
           <a:solidFill>
             <a:schemeClr val="tx1"/>
           </a:solidFill>
@@ -3293,8 +2944,8 @@
           <a:cs typeface="+mn-cs"/>
         </a:defRPr>
       </a:lvl8pPr>
-      <a:lvl9pPr marL="3657600" algn="l" defTabSz="914400" rtl="0" eaLnBrk="1" latinLnBrk="0" hangingPunct="1">
-        <a:defRPr sz="1800" kern="1200">
+      <a:lvl9pPr marL="3108960" algn="l" defTabSz="777240" rtl="0" eaLnBrk="1" latinLnBrk="0" hangingPunct="1">
+        <a:defRPr sz="1530" kern="1200">
           <a:solidFill>
             <a:schemeClr val="tx1"/>
           </a:solidFill>
@@ -3325,423 +2976,12 @@
           <a:chExt cx="0" cy="0"/>
         </a:xfrm>
       </p:grpSpPr>
-      <p:sp>
-        <p:nvSpPr>
-          <p:cNvPr id="4" name="Rectangle 3">
+      <p:grpSp>
+        <p:nvGrpSpPr>
+          <p:cNvPr id="2" name="Group 1">
             <a:extLst>
               <a:ext uri="{FF2B5EF4-FFF2-40B4-BE49-F238E27FC236}">
-                <a16:creationId xmlns:a16="http://schemas.microsoft.com/office/drawing/2014/main" id="{41F882B9-A76E-4846-97A1-E5DC1FD122E6}"/>
-              </a:ext>
-            </a:extLst>
-          </p:cNvPr>
-          <p:cNvSpPr/>
-          <p:nvPr/>
-        </p:nvSpPr>
-        <p:spPr>
-          <a:xfrm>
-            <a:off x="759854" y="746974"/>
-            <a:ext cx="5190185" cy="5383369"/>
-          </a:xfrm>
-          <a:prstGeom prst="rect">
-            <a:avLst/>
-          </a:prstGeom>
-          <a:noFill/>
-          <a:ln w="25400"/>
-        </p:spPr>
-        <p:style>
-          <a:lnRef idx="2">
-            <a:schemeClr val="accent1">
-              <a:shade val="50000"/>
-            </a:schemeClr>
-          </a:lnRef>
-          <a:fillRef idx="1">
-            <a:schemeClr val="accent1"/>
-          </a:fillRef>
-          <a:effectRef idx="0">
-            <a:schemeClr val="accent1"/>
-          </a:effectRef>
-          <a:fontRef idx="minor">
-            <a:schemeClr val="lt1"/>
-          </a:fontRef>
-        </p:style>
-        <p:txBody>
-          <a:bodyPr rtlCol="0" anchor="ctr"/>
-          <a:lstStyle/>
-          <a:p>
-            <a:pPr algn="ctr"/>
-            <a:endParaRPr lang="en-US" dirty="0"/>
-          </a:p>
-        </p:txBody>
-      </p:sp>
-      <p:sp>
-        <p:nvSpPr>
-          <p:cNvPr id="5" name="TextBox 4">
-            <a:extLst>
-              <a:ext uri="{FF2B5EF4-FFF2-40B4-BE49-F238E27FC236}">
-                <a16:creationId xmlns:a16="http://schemas.microsoft.com/office/drawing/2014/main" id="{9606B275-8BDE-464E-A4A9-3C8BF9A9EFEE}"/>
-              </a:ext>
-            </a:extLst>
-          </p:cNvPr>
-          <p:cNvSpPr txBox="1"/>
-          <p:nvPr/>
-        </p:nvSpPr>
-        <p:spPr>
-          <a:xfrm>
-            <a:off x="879339" y="802979"/>
-            <a:ext cx="4926168" cy="553998"/>
-          </a:xfrm>
-          <a:prstGeom prst="rect">
-            <a:avLst/>
-          </a:prstGeom>
-          <a:noFill/>
-        </p:spPr>
-        <p:txBody>
-          <a:bodyPr wrap="square" rtlCol="0">
-            <a:spAutoFit/>
-          </a:bodyPr>
-          <a:lstStyle/>
-          <a:p>
-            <a:pPr algn="ctr"/>
-            <a:r>
-              <a:rPr lang="en-US" dirty="0"/>
-              <a:t>Name</a:t>
-            </a:r>
-          </a:p>
-          <a:p>
-            <a:pPr algn="ctr"/>
-            <a:r>
-              <a:rPr lang="en-US" sz="1200" dirty="0" err="1"/>
-              <a:t>MetaXMLParser</a:t>
-            </a:r>
-            <a:endParaRPr lang="en-US" sz="1200" dirty="0"/>
-          </a:p>
-        </p:txBody>
-      </p:sp>
-      <p:sp>
-        <p:nvSpPr>
-          <p:cNvPr id="6" name="TextBox 5">
-            <a:extLst>
-              <a:ext uri="{FF2B5EF4-FFF2-40B4-BE49-F238E27FC236}">
-                <a16:creationId xmlns:a16="http://schemas.microsoft.com/office/drawing/2014/main" id="{11F469E3-BC3D-4E71-A82F-DA8E39A22DCF}"/>
-              </a:ext>
-            </a:extLst>
-          </p:cNvPr>
-          <p:cNvSpPr txBox="1"/>
-          <p:nvPr/>
-        </p:nvSpPr>
-        <p:spPr>
-          <a:xfrm>
-            <a:off x="891025" y="1349004"/>
-            <a:ext cx="4914482" cy="1384995"/>
-          </a:xfrm>
-          <a:prstGeom prst="rect">
-            <a:avLst/>
-          </a:prstGeom>
-          <a:noFill/>
-        </p:spPr>
-        <p:txBody>
-          <a:bodyPr wrap="square" rtlCol="0">
-            <a:spAutoFit/>
-          </a:bodyPr>
-          <a:lstStyle/>
-          <a:p>
-            <a:pPr algn="ctr"/>
-            <a:r>
-              <a:rPr lang="en-US" dirty="0"/>
-              <a:t>Attributes</a:t>
-            </a:r>
-          </a:p>
-          <a:p>
-            <a:r>
-              <a:rPr lang="en-US" dirty="0"/>
-              <a:t>-</a:t>
-            </a:r>
-            <a:r>
-              <a:rPr lang="en-US" sz="1200" dirty="0" err="1"/>
-              <a:t>dbFact</a:t>
-            </a:r>
-            <a:r>
-              <a:rPr lang="en-US" sz="1200" dirty="0"/>
-              <a:t> : </a:t>
-            </a:r>
-            <a:r>
-              <a:rPr lang="en-US" sz="1200" dirty="0" err="1"/>
-              <a:t>DocumentBuilderFactory</a:t>
-            </a:r>
-            <a:r>
-              <a:rPr lang="en-US" sz="1200" dirty="0"/>
-              <a:t> </a:t>
-            </a:r>
-          </a:p>
-          <a:p>
-            <a:r>
-              <a:rPr lang="en-US" sz="1200" dirty="0"/>
-              <a:t>-</a:t>
-            </a:r>
-            <a:r>
-              <a:rPr lang="en-US" sz="1200" dirty="0" err="1"/>
-              <a:t>dBuild</a:t>
-            </a:r>
-            <a:r>
-              <a:rPr lang="en-US" sz="1200" dirty="0"/>
-              <a:t> : </a:t>
-            </a:r>
-            <a:r>
-              <a:rPr lang="en-US" sz="1200" dirty="0" err="1"/>
-              <a:t>DocumentBuilder</a:t>
-            </a:r>
-            <a:r>
-              <a:rPr lang="en-US" sz="1200" dirty="0"/>
-              <a:t> </a:t>
-            </a:r>
-          </a:p>
-          <a:p>
-            <a:r>
-              <a:rPr lang="en-US" sz="1200" dirty="0"/>
-              <a:t>-</a:t>
-            </a:r>
-            <a:r>
-              <a:rPr lang="en-US" sz="1200" dirty="0" err="1"/>
-              <a:t>metaDoc</a:t>
-            </a:r>
-            <a:r>
-              <a:rPr lang="en-US" sz="1200" dirty="0"/>
-              <a:t> : Document </a:t>
-            </a:r>
-          </a:p>
-          <a:p>
-            <a:r>
-              <a:rPr lang="en-US" sz="1200" dirty="0"/>
-              <a:t>-</a:t>
-            </a:r>
-            <a:r>
-              <a:rPr lang="en-US" sz="1200" dirty="0" err="1"/>
-              <a:t>numElementNode</a:t>
-            </a:r>
-            <a:r>
-              <a:rPr lang="en-US" sz="1200" dirty="0"/>
-              <a:t> : </a:t>
-            </a:r>
-            <a:r>
-              <a:rPr lang="en-US" sz="1200" dirty="0" err="1"/>
-              <a:t>int</a:t>
-            </a:r>
-            <a:r>
-              <a:rPr lang="en-US" sz="1200" dirty="0"/>
-              <a:t> </a:t>
-            </a:r>
-          </a:p>
-          <a:p>
-            <a:r>
-              <a:rPr lang="en-US" sz="1200" dirty="0"/>
-              <a:t>-</a:t>
-            </a:r>
-            <a:r>
-              <a:rPr lang="en-US" sz="1200" dirty="0" err="1"/>
-              <a:t>metaNode</a:t>
-            </a:r>
-            <a:r>
-              <a:rPr lang="en-US" sz="1200" dirty="0"/>
-              <a:t> : </a:t>
-            </a:r>
-            <a:r>
-              <a:rPr lang="en-US" sz="1200" dirty="0" err="1"/>
-              <a:t>MetadataNode</a:t>
-            </a:r>
-            <a:r>
-              <a:rPr lang="en-US" sz="1200" dirty="0"/>
-              <a:t> </a:t>
-            </a:r>
-          </a:p>
-        </p:txBody>
-      </p:sp>
-      <p:sp>
-        <p:nvSpPr>
-          <p:cNvPr id="7" name="TextBox 6">
-            <a:extLst>
-              <a:ext uri="{FF2B5EF4-FFF2-40B4-BE49-F238E27FC236}">
-                <a16:creationId xmlns:a16="http://schemas.microsoft.com/office/drawing/2014/main" id="{820D9BD9-BB12-4A26-816A-413E5932AFCD}"/>
-              </a:ext>
-            </a:extLst>
-          </p:cNvPr>
-          <p:cNvSpPr txBox="1"/>
-          <p:nvPr/>
-        </p:nvSpPr>
-        <p:spPr>
-          <a:xfrm>
-            <a:off x="891025" y="2733999"/>
-            <a:ext cx="4891590" cy="1661993"/>
-          </a:xfrm>
-          <a:prstGeom prst="rect">
-            <a:avLst/>
-          </a:prstGeom>
-          <a:noFill/>
-        </p:spPr>
-        <p:txBody>
-          <a:bodyPr wrap="square" rtlCol="0">
-            <a:spAutoFit/>
-          </a:bodyPr>
-          <a:lstStyle/>
-          <a:p>
-            <a:pPr algn="ctr"/>
-            <a:r>
-              <a:rPr lang="en-US" dirty="0"/>
-              <a:t>Operations</a:t>
-            </a:r>
-          </a:p>
-          <a:p>
-            <a:r>
-              <a:rPr lang="en-US" sz="1200" dirty="0"/>
-              <a:t>+</a:t>
-            </a:r>
-            <a:r>
-              <a:rPr lang="en-US" sz="1200" dirty="0" err="1"/>
-              <a:t>metadataParse</a:t>
-            </a:r>
-            <a:r>
-              <a:rPr lang="en-US" sz="1200" dirty="0"/>
-              <a:t>(file : File) : Document</a:t>
-            </a:r>
-          </a:p>
-          <a:p>
-            <a:r>
-              <a:rPr lang="en-US" sz="1200" dirty="0"/>
-              <a:t>+</a:t>
-            </a:r>
-            <a:r>
-              <a:rPr lang="en-US" sz="1200" dirty="0" err="1"/>
-              <a:t>metaTreeDoc</a:t>
-            </a:r>
-            <a:r>
-              <a:rPr lang="en-US" sz="1200" dirty="0"/>
-              <a:t>(file : File) : Document</a:t>
-            </a:r>
-          </a:p>
-          <a:p>
-            <a:r>
-              <a:rPr lang="en-US" sz="1200" dirty="0"/>
-              <a:t>+</a:t>
-            </a:r>
-            <a:r>
-              <a:rPr lang="en-US" sz="1200" dirty="0" err="1"/>
-              <a:t>treePrint</a:t>
-            </a:r>
-            <a:r>
-              <a:rPr lang="en-US" sz="1200" dirty="0"/>
-              <a:t>(node : Node) : void</a:t>
-            </a:r>
-          </a:p>
-          <a:p>
-            <a:r>
-              <a:rPr lang="en-US" sz="1200" dirty="0"/>
-              <a:t>+</a:t>
-            </a:r>
-            <a:r>
-              <a:rPr lang="en-US" sz="1200" dirty="0" err="1"/>
-              <a:t>importDOMTree</a:t>
-            </a:r>
-            <a:r>
-              <a:rPr lang="en-US" sz="1200" dirty="0"/>
-              <a:t>(</a:t>
-            </a:r>
-            <a:r>
-              <a:rPr lang="en-US" sz="1200" dirty="0" err="1"/>
-              <a:t>dom</a:t>
-            </a:r>
-            <a:r>
-              <a:rPr lang="en-US" sz="1200" dirty="0"/>
-              <a:t> : Document) : </a:t>
-            </a:r>
-            <a:r>
-              <a:rPr lang="en-US" sz="1200" dirty="0" err="1"/>
-              <a:t>MetadataNode</a:t>
-            </a:r>
-            <a:endParaRPr lang="en-US" sz="1200" dirty="0"/>
-          </a:p>
-          <a:p>
-            <a:r>
-              <a:rPr lang="en-US" sz="1200" dirty="0"/>
-              <a:t>+</a:t>
-            </a:r>
-            <a:r>
-              <a:rPr lang="en-US" sz="1200" dirty="0" err="1"/>
-              <a:t>addDOMTree</a:t>
-            </a:r>
-            <a:r>
-              <a:rPr lang="en-US" sz="1200" dirty="0"/>
-              <a:t>(</a:t>
-            </a:r>
-            <a:r>
-              <a:rPr lang="en-US" sz="1200" dirty="0" err="1"/>
-              <a:t>dom</a:t>
-            </a:r>
-            <a:r>
-              <a:rPr lang="en-US" sz="1200" dirty="0"/>
-              <a:t> : Document, </a:t>
-            </a:r>
-            <a:r>
-              <a:rPr lang="en-US" sz="1200" dirty="0" err="1"/>
-              <a:t>MetadataNode</a:t>
-            </a:r>
-            <a:r>
-              <a:rPr lang="en-US" sz="1200" dirty="0"/>
-              <a:t> root) : </a:t>
-            </a:r>
-            <a:r>
-              <a:rPr lang="en-US" sz="1200" dirty="0" err="1"/>
-              <a:t>MetadataNode</a:t>
-            </a:r>
-            <a:endParaRPr lang="en-US" sz="1200" dirty="0"/>
-          </a:p>
-          <a:p>
-            <a:r>
-              <a:rPr lang="en-US" sz="1200" dirty="0"/>
-              <a:t>+</a:t>
-            </a:r>
-            <a:r>
-              <a:rPr lang="en-US" sz="1200" dirty="0" err="1"/>
-              <a:t>openSessionTree</a:t>
-            </a:r>
-            <a:r>
-              <a:rPr lang="en-US" sz="1200" dirty="0"/>
-              <a:t>(file : File): </a:t>
-            </a:r>
-            <a:r>
-              <a:rPr lang="en-US" sz="1200" dirty="0" err="1"/>
-              <a:t>MetadataNode</a:t>
-            </a:r>
-            <a:endParaRPr lang="en-US" sz="1200" dirty="0"/>
-          </a:p>
-          <a:p>
-            <a:r>
-              <a:rPr lang="en-US" sz="1200" dirty="0"/>
-              <a:t>+</a:t>
-            </a:r>
-            <a:r>
-              <a:rPr lang="en-US" sz="1200" dirty="0" err="1"/>
-              <a:t>saveSessionTree</a:t>
-            </a:r>
-            <a:r>
-              <a:rPr lang="en-US" sz="1200" dirty="0"/>
-              <a:t>(root : </a:t>
-            </a:r>
-            <a:r>
-              <a:rPr lang="en-US" sz="1200" dirty="0" err="1"/>
-              <a:t>MetadataNode</a:t>
-            </a:r>
-            <a:r>
-              <a:rPr lang="en-US" sz="1200" dirty="0"/>
-              <a:t>) : String</a:t>
-            </a:r>
-          </a:p>
-        </p:txBody>
-      </p:sp>
-      <p:grpSp>
-        <p:nvGrpSpPr>
-          <p:cNvPr id="12" name="Group 11">
-            <a:extLst>
-              <a:ext uri="{FF2B5EF4-FFF2-40B4-BE49-F238E27FC236}">
-                <a16:creationId xmlns:a16="http://schemas.microsoft.com/office/drawing/2014/main" id="{37F21E07-39D9-41E9-8A8F-5E93A9C72BA4}"/>
+                <a16:creationId xmlns:a16="http://schemas.microsoft.com/office/drawing/2014/main" id="{375A6FF4-0A9B-403F-995B-3406B5A3BE40}"/>
               </a:ext>
             </a:extLst>
           </p:cNvPr>
@@ -3750,18 +2990,483 @@
         </p:nvGrpSpPr>
         <p:grpSpPr>
           <a:xfrm>
-            <a:off x="6822939" y="746973"/>
-            <a:ext cx="5099079" cy="5383369"/>
+            <a:off x="228599" y="212271"/>
+            <a:ext cx="7282543" cy="9568544"/>
+            <a:chOff x="-3940145" y="1095565"/>
+            <a:chExt cx="7612271" cy="7895608"/>
+          </a:xfrm>
+        </p:grpSpPr>
+        <p:sp>
+          <p:nvSpPr>
+            <p:cNvPr id="4" name="Rectangle 3">
+              <a:extLst>
+                <a:ext uri="{FF2B5EF4-FFF2-40B4-BE49-F238E27FC236}">
+                  <a16:creationId xmlns:a16="http://schemas.microsoft.com/office/drawing/2014/main" id="{41F882B9-A76E-4846-97A1-E5DC1FD122E6}"/>
+                </a:ext>
+              </a:extLst>
+            </p:cNvPr>
+            <p:cNvSpPr/>
+            <p:nvPr/>
+          </p:nvSpPr>
+          <p:spPr>
+            <a:xfrm>
+              <a:off x="-3940145" y="1095565"/>
+              <a:ext cx="7612271" cy="7895608"/>
+            </a:xfrm>
+            <a:prstGeom prst="rect">
+              <a:avLst/>
+            </a:prstGeom>
+            <a:noFill/>
+            <a:ln w="25400"/>
+          </p:spPr>
+          <p:style>
+            <a:lnRef idx="2">
+              <a:schemeClr val="accent1">
+                <a:shade val="50000"/>
+              </a:schemeClr>
+            </a:lnRef>
+            <a:fillRef idx="1">
+              <a:schemeClr val="accent1"/>
+            </a:fillRef>
+            <a:effectRef idx="0">
+              <a:schemeClr val="accent1"/>
+            </a:effectRef>
+            <a:fontRef idx="minor">
+              <a:schemeClr val="lt1"/>
+            </a:fontRef>
+          </p:style>
+          <p:txBody>
+            <a:bodyPr rtlCol="0" anchor="ctr"/>
+            <a:lstStyle/>
+            <a:p>
+              <a:pPr algn="ctr"/>
+              <a:endParaRPr lang="en-US" sz="2642" dirty="0"/>
+            </a:p>
+          </p:txBody>
+        </p:sp>
+        <p:sp>
+          <p:nvSpPr>
+            <p:cNvPr id="5" name="TextBox 4">
+              <a:extLst>
+                <a:ext uri="{FF2B5EF4-FFF2-40B4-BE49-F238E27FC236}">
+                  <a16:creationId xmlns:a16="http://schemas.microsoft.com/office/drawing/2014/main" id="{9606B275-8BDE-464E-A4A9-3C8BF9A9EFEE}"/>
+                </a:ext>
+              </a:extLst>
+            </p:cNvPr>
+            <p:cNvSpPr txBox="1"/>
+            <p:nvPr/>
+          </p:nvSpPr>
+          <p:spPr>
+            <a:xfrm>
+              <a:off x="-3764902" y="1177703"/>
+              <a:ext cx="7225048" cy="769763"/>
+            </a:xfrm>
+            <a:prstGeom prst="rect">
+              <a:avLst/>
+            </a:prstGeom>
+            <a:noFill/>
+          </p:spPr>
+          <p:txBody>
+            <a:bodyPr wrap="square" rtlCol="0">
+              <a:spAutoFit/>
+            </a:bodyPr>
+            <a:lstStyle/>
+            <a:p>
+              <a:pPr algn="ctr"/>
+              <a:r>
+                <a:rPr lang="en-US" sz="2642" dirty="0"/>
+                <a:t>Name</a:t>
+              </a:r>
+            </a:p>
+            <a:p>
+              <a:pPr algn="ctr"/>
+              <a:r>
+                <a:rPr lang="en-US" sz="1760" dirty="0" err="1"/>
+                <a:t>MetaSession</a:t>
+              </a:r>
+              <a:endParaRPr lang="en-US" sz="1760" dirty="0"/>
+            </a:p>
+          </p:txBody>
+        </p:sp>
+        <p:sp>
+          <p:nvSpPr>
+            <p:cNvPr id="6" name="TextBox 5">
+              <a:extLst>
+                <a:ext uri="{FF2B5EF4-FFF2-40B4-BE49-F238E27FC236}">
+                  <a16:creationId xmlns:a16="http://schemas.microsoft.com/office/drawing/2014/main" id="{11F469E3-BC3D-4E71-A82F-DA8E39A22DCF}"/>
+                </a:ext>
+              </a:extLst>
+            </p:cNvPr>
+            <p:cNvSpPr txBox="1"/>
+            <p:nvPr/>
+          </p:nvSpPr>
+          <p:spPr>
+            <a:xfrm>
+              <a:off x="-3747762" y="1978542"/>
+              <a:ext cx="7207907" cy="1988878"/>
+            </a:xfrm>
+            <a:prstGeom prst="rect">
+              <a:avLst/>
+            </a:prstGeom>
+            <a:noFill/>
+          </p:spPr>
+          <p:txBody>
+            <a:bodyPr wrap="square" rtlCol="0">
+              <a:spAutoFit/>
+            </a:bodyPr>
+            <a:lstStyle/>
+            <a:p>
+              <a:pPr algn="ctr"/>
+              <a:r>
+                <a:rPr lang="en-US" sz="2642" dirty="0"/>
+                <a:t>Attributes</a:t>
+              </a:r>
+            </a:p>
+            <a:p>
+              <a:r>
+                <a:rPr lang="en-US" sz="2642" dirty="0"/>
+                <a:t>-</a:t>
+              </a:r>
+              <a:r>
+                <a:rPr lang="en-US" sz="1760" dirty="0" err="1"/>
+                <a:t>dbFact</a:t>
+              </a:r>
+              <a:r>
+                <a:rPr lang="en-US" sz="1760" dirty="0"/>
+                <a:t> : </a:t>
+              </a:r>
+              <a:r>
+                <a:rPr lang="en-US" sz="1760" dirty="0" err="1"/>
+                <a:t>DocumentBuilderFactory</a:t>
+              </a:r>
+              <a:r>
+                <a:rPr lang="en-US" sz="1760" dirty="0"/>
+                <a:t> </a:t>
+              </a:r>
+            </a:p>
+            <a:p>
+              <a:r>
+                <a:rPr lang="en-US" sz="1760" dirty="0"/>
+                <a:t>-</a:t>
+              </a:r>
+              <a:r>
+                <a:rPr lang="en-US" sz="1760" dirty="0" err="1"/>
+                <a:t>dBuild</a:t>
+              </a:r>
+              <a:r>
+                <a:rPr lang="en-US" sz="1760" dirty="0"/>
+                <a:t> : </a:t>
+              </a:r>
+              <a:r>
+                <a:rPr lang="en-US" sz="1760" dirty="0" err="1"/>
+                <a:t>DocumentBuilder</a:t>
+              </a:r>
+              <a:r>
+                <a:rPr lang="en-US" sz="1760" dirty="0"/>
+                <a:t> </a:t>
+              </a:r>
+            </a:p>
+            <a:p>
+              <a:r>
+                <a:rPr lang="en-US" sz="1760" dirty="0"/>
+                <a:t>-</a:t>
+              </a:r>
+              <a:r>
+                <a:rPr lang="en-US" sz="1760" dirty="0" err="1"/>
+                <a:t>metaDoc</a:t>
+              </a:r>
+              <a:r>
+                <a:rPr lang="en-US" sz="1760" dirty="0"/>
+                <a:t> : Document </a:t>
+              </a:r>
+            </a:p>
+            <a:p>
+              <a:r>
+                <a:rPr lang="en-US" sz="1760" dirty="0"/>
+                <a:t>-</a:t>
+              </a:r>
+              <a:r>
+                <a:rPr lang="en-US" sz="1760" dirty="0" err="1"/>
+                <a:t>numElementNode</a:t>
+              </a:r>
+              <a:r>
+                <a:rPr lang="en-US" sz="1760" dirty="0"/>
+                <a:t> : </a:t>
+              </a:r>
+              <a:r>
+                <a:rPr lang="en-US" sz="1760" dirty="0" err="1"/>
+                <a:t>int</a:t>
+              </a:r>
+              <a:r>
+                <a:rPr lang="en-US" sz="1760" dirty="0"/>
+                <a:t> </a:t>
+              </a:r>
+            </a:p>
+            <a:p>
+              <a:r>
+                <a:rPr lang="en-US" sz="1760" dirty="0"/>
+                <a:t>-</a:t>
+              </a:r>
+              <a:r>
+                <a:rPr lang="en-US" sz="1760" dirty="0" err="1"/>
+                <a:t>metaNode</a:t>
+              </a:r>
+              <a:r>
+                <a:rPr lang="en-US" sz="1760" dirty="0"/>
+                <a:t> : </a:t>
+              </a:r>
+              <a:r>
+                <a:rPr lang="en-US" sz="1760" dirty="0" err="1"/>
+                <a:t>MetadataNode</a:t>
+              </a:r>
+              <a:r>
+                <a:rPr lang="en-US" sz="1760" dirty="0"/>
+                <a:t> </a:t>
+              </a:r>
+            </a:p>
+          </p:txBody>
+        </p:sp>
+        <p:sp>
+          <p:nvSpPr>
+            <p:cNvPr id="7" name="TextBox 6">
+              <a:extLst>
+                <a:ext uri="{FF2B5EF4-FFF2-40B4-BE49-F238E27FC236}">
+                  <a16:creationId xmlns:a16="http://schemas.microsoft.com/office/drawing/2014/main" id="{820D9BD9-BB12-4A26-816A-413E5932AFCD}"/>
+                </a:ext>
+              </a:extLst>
+            </p:cNvPr>
+            <p:cNvSpPr txBox="1"/>
+            <p:nvPr/>
+          </p:nvSpPr>
+          <p:spPr>
+            <a:xfrm>
+              <a:off x="-3747760" y="4009867"/>
+              <a:ext cx="7174332" cy="2199609"/>
+            </a:xfrm>
+            <a:prstGeom prst="rect">
+              <a:avLst/>
+            </a:prstGeom>
+            <a:noFill/>
+          </p:spPr>
+          <p:txBody>
+            <a:bodyPr wrap="square" rtlCol="0">
+              <a:spAutoFit/>
+            </a:bodyPr>
+            <a:lstStyle/>
+            <a:p>
+              <a:pPr algn="ctr"/>
+              <a:r>
+                <a:rPr lang="en-US" sz="2642" dirty="0"/>
+                <a:t>Operations</a:t>
+              </a:r>
+            </a:p>
+            <a:p>
+              <a:r>
+                <a:rPr lang="en-US" sz="1760" dirty="0"/>
+                <a:t>+</a:t>
+              </a:r>
+              <a:r>
+                <a:rPr lang="en-US" sz="1760" dirty="0" err="1"/>
+                <a:t>fileToDOM</a:t>
+              </a:r>
+              <a:r>
+                <a:rPr lang="en-US" sz="1760" dirty="0"/>
+                <a:t> (file : File) : Document</a:t>
+              </a:r>
+            </a:p>
+            <a:p>
+              <a:r>
+                <a:rPr lang="en-US" sz="1760" dirty="0"/>
+                <a:t>+</a:t>
+              </a:r>
+              <a:r>
+                <a:rPr lang="en-US" sz="1760" dirty="0" err="1"/>
+                <a:t>domToMetadataTree</a:t>
+              </a:r>
+              <a:r>
+                <a:rPr lang="en-US" sz="1760" dirty="0"/>
+                <a:t> (root : Node) : </a:t>
+              </a:r>
+              <a:r>
+                <a:rPr lang="en-US" sz="1760" dirty="0" err="1"/>
+                <a:t>MetadataNode</a:t>
+              </a:r>
+              <a:endParaRPr lang="en-US" sz="1760" dirty="0"/>
+            </a:p>
+            <a:p>
+              <a:r>
+                <a:rPr lang="en-US" sz="1760" dirty="0"/>
+                <a:t>+</a:t>
+              </a:r>
+              <a:r>
+                <a:rPr lang="en-US" sz="1760" dirty="0" err="1"/>
+                <a:t>printDOM</a:t>
+              </a:r>
+              <a:r>
+                <a:rPr lang="en-US" sz="1760" dirty="0"/>
+                <a:t> (node : Node) : void</a:t>
+              </a:r>
+            </a:p>
+            <a:p>
+              <a:r>
+                <a:rPr lang="en-US" sz="1760" dirty="0"/>
+                <a:t>+</a:t>
+              </a:r>
+              <a:r>
+                <a:rPr lang="en-US" sz="1760" dirty="0" err="1"/>
+                <a:t>printMetadataTree</a:t>
+              </a:r>
+              <a:r>
+                <a:rPr lang="en-US" sz="1760" dirty="0"/>
+                <a:t> (</a:t>
+              </a:r>
+              <a:r>
+                <a:rPr lang="en-US" sz="1760" dirty="0" err="1"/>
+                <a:t>mNode</a:t>
+              </a:r>
+              <a:r>
+                <a:rPr lang="en-US" sz="1760" dirty="0"/>
+                <a:t> : </a:t>
+              </a:r>
+              <a:r>
+                <a:rPr lang="en-US" sz="1760" dirty="0" err="1"/>
+                <a:t>MetadataNode</a:t>
+              </a:r>
+              <a:r>
+                <a:rPr lang="en-US" sz="1760" dirty="0"/>
+                <a:t>) : void</a:t>
+              </a:r>
+            </a:p>
+            <a:p>
+              <a:r>
+                <a:rPr lang="en-US" sz="1760" dirty="0"/>
+                <a:t>+</a:t>
+              </a:r>
+              <a:r>
+                <a:rPr lang="en-US" sz="1760" dirty="0" err="1"/>
+                <a:t>importDOMtoMetadata</a:t>
+              </a:r>
+              <a:r>
+                <a:rPr lang="en-US" sz="1760" dirty="0"/>
+                <a:t> (node : Node) : </a:t>
+              </a:r>
+              <a:r>
+                <a:rPr lang="en-US" sz="1760" dirty="0" err="1"/>
+                <a:t>MetadataNode</a:t>
+              </a:r>
+              <a:endParaRPr lang="en-US" sz="1760" dirty="0"/>
+            </a:p>
+            <a:p>
+              <a:r>
+                <a:rPr lang="en-US" sz="1760" dirty="0"/>
+                <a:t>+</a:t>
+              </a:r>
+              <a:r>
+                <a:rPr lang="en-US" sz="1760" dirty="0" err="1"/>
+                <a:t>addDOMToTree</a:t>
+              </a:r>
+              <a:r>
+                <a:rPr lang="en-US" sz="1760" dirty="0"/>
+                <a:t> (node : Node) : </a:t>
+              </a:r>
+              <a:r>
+                <a:rPr lang="en-US" sz="1760" dirty="0" err="1"/>
+                <a:t>MetadataNode</a:t>
+              </a:r>
+              <a:endParaRPr lang="en-US" sz="1760" dirty="0"/>
+            </a:p>
+            <a:p>
+              <a:r>
+                <a:rPr lang="en-US" sz="1760" dirty="0"/>
+                <a:t>+</a:t>
+              </a:r>
+              <a:r>
+                <a:rPr lang="en-US" sz="1760" dirty="0" err="1"/>
+                <a:t>openSession</a:t>
+              </a:r>
+              <a:r>
+                <a:rPr lang="en-US" sz="1760" dirty="0"/>
+                <a:t> (file : File) : </a:t>
+              </a:r>
+              <a:r>
+                <a:rPr lang="en-US" sz="1760" dirty="0" err="1"/>
+                <a:t>MetadataNode</a:t>
+              </a:r>
+              <a:endParaRPr lang="en-US" sz="1760" dirty="0"/>
+            </a:p>
+            <a:p>
+              <a:r>
+                <a:rPr lang="en-US" sz="1760" dirty="0"/>
+                <a:t>+</a:t>
+              </a:r>
+              <a:r>
+                <a:rPr lang="en-US" sz="1760" dirty="0" err="1"/>
+                <a:t>saveSession</a:t>
+              </a:r>
+              <a:r>
+                <a:rPr lang="en-US" sz="1760" dirty="0"/>
+                <a:t> (file : File) : String</a:t>
+              </a:r>
+            </a:p>
+          </p:txBody>
+        </p:sp>
+      </p:grpSp>
+    </p:spTree>
+    <p:extLst>
+      <p:ext uri="{BB962C8B-B14F-4D97-AF65-F5344CB8AC3E}">
+        <p14:creationId xmlns:p14="http://schemas.microsoft.com/office/powerpoint/2010/main" val="2915490135"/>
+      </p:ext>
+    </p:extLst>
+  </p:cSld>
+  <p:clrMapOvr>
+    <a:masterClrMapping/>
+  </p:clrMapOvr>
+</p:sld>
+</file>
+
+<file path=ppt/slides/slide2.xml><?xml version="1.0" encoding="utf-8"?>
+<p:sld xmlns:a="http://schemas.openxmlformats.org/drawingml/2006/main" xmlns:r="http://schemas.openxmlformats.org/officeDocument/2006/relationships" xmlns:p="http://schemas.openxmlformats.org/presentationml/2006/main">
+  <p:cSld>
+    <p:spTree>
+      <p:nvGrpSpPr>
+        <p:cNvPr id="1" name=""/>
+        <p:cNvGrpSpPr/>
+        <p:nvPr/>
+      </p:nvGrpSpPr>
+      <p:grpSpPr>
+        <a:xfrm>
+          <a:off x="0" y="0"/>
+          <a:ext cx="0" cy="0"/>
+          <a:chOff x="0" y="0"/>
+          <a:chExt cx="0" cy="0"/>
+        </a:xfrm>
+      </p:grpSpPr>
+      <p:grpSp>
+        <p:nvGrpSpPr>
+          <p:cNvPr id="4" name="Group 3">
+            <a:extLst>
+              <a:ext uri="{FF2B5EF4-FFF2-40B4-BE49-F238E27FC236}">
+                <a16:creationId xmlns:a16="http://schemas.microsoft.com/office/drawing/2014/main" id="{F05B7218-BBF3-4C23-93D4-88256632CA3D}"/>
+              </a:ext>
+            </a:extLst>
+          </p:cNvPr>
+          <p:cNvGrpSpPr/>
+          <p:nvPr/>
+        </p:nvGrpSpPr>
+        <p:grpSpPr>
+          <a:xfrm>
+            <a:off x="212271" y="227020"/>
+            <a:ext cx="7331529" cy="9602780"/>
             <a:chOff x="5535051" y="718010"/>
             <a:chExt cx="5099079" cy="5383369"/>
           </a:xfrm>
         </p:grpSpPr>
         <p:sp>
           <p:nvSpPr>
-            <p:cNvPr id="8" name="Rectangle 7">
+            <p:cNvPr id="5" name="Rectangle 4">
               <a:extLst>
                 <a:ext uri="{FF2B5EF4-FFF2-40B4-BE49-F238E27FC236}">
-                  <a16:creationId xmlns:a16="http://schemas.microsoft.com/office/drawing/2014/main" id="{0A95AB8F-2BBA-4F49-A882-23C426C0AC81}"/>
+                  <a16:creationId xmlns:a16="http://schemas.microsoft.com/office/drawing/2014/main" id="{B6BBA497-3037-4B9B-A264-8FA0159DEDC0}"/>
                 </a:ext>
               </a:extLst>
             </p:cNvPr>
@@ -3800,16 +3505,16 @@
             <a:lstStyle/>
             <a:p>
               <a:pPr algn="ctr"/>
-              <a:endParaRPr lang="en-US" dirty="0"/>
+              <a:endParaRPr lang="en-US" sz="2642" dirty="0"/>
             </a:p>
           </p:txBody>
         </p:sp>
         <p:sp>
           <p:nvSpPr>
-            <p:cNvPr id="9" name="TextBox 8">
+            <p:cNvPr id="6" name="TextBox 5">
               <a:extLst>
                 <a:ext uri="{FF2B5EF4-FFF2-40B4-BE49-F238E27FC236}">
-                  <a16:creationId xmlns:a16="http://schemas.microsoft.com/office/drawing/2014/main" id="{3440AF2E-8C80-485F-931F-2572F898CB74}"/>
+                  <a16:creationId xmlns:a16="http://schemas.microsoft.com/office/drawing/2014/main" id="{546EDA9D-9511-4A68-8498-EC901E67BACB}"/>
                 </a:ext>
               </a:extLst>
             </p:cNvPr>
@@ -3819,7 +3524,7 @@
           <p:spPr>
             <a:xfrm>
               <a:off x="5685307" y="853335"/>
-              <a:ext cx="4779493" cy="553998"/>
+              <a:ext cx="4779493" cy="310574"/>
             </a:xfrm>
             <a:prstGeom prst="rect">
               <a:avLst/>
@@ -3850,10 +3555,10 @@
         </p:sp>
         <p:sp>
           <p:nvSpPr>
-            <p:cNvPr id="10" name="TextBox 9">
+            <p:cNvPr id="7" name="TextBox 6">
               <a:extLst>
                 <a:ext uri="{FF2B5EF4-FFF2-40B4-BE49-F238E27FC236}">
-                  <a16:creationId xmlns:a16="http://schemas.microsoft.com/office/drawing/2014/main" id="{48E037BA-5C72-4A0E-B5C1-A88ED274F8E9}"/>
+                  <a16:creationId xmlns:a16="http://schemas.microsoft.com/office/drawing/2014/main" id="{B77CD566-3F45-4B5E-ACBE-99EBC22886CF}"/>
                 </a:ext>
               </a:extLst>
             </p:cNvPr>
@@ -3862,8 +3567,8 @@
           </p:nvSpPr>
           <p:spPr>
             <a:xfrm>
-              <a:off x="5694845" y="1433796"/>
-              <a:ext cx="4779493" cy="1661993"/>
+              <a:off x="5694845" y="1184150"/>
+              <a:ext cx="4779493" cy="1083559"/>
             </a:xfrm>
             <a:prstGeom prst="rect">
               <a:avLst/>
@@ -3890,6 +3595,16 @@
             </a:p>
             <a:p>
               <a:r>
+                <a:rPr lang="en-US" sz="1200" dirty="0" err="1"/>
+                <a:t>elementName</a:t>
+              </a:r>
+              <a:r>
+                <a:rPr lang="en-US" sz="1200" dirty="0"/>
+                <a:t> : String</a:t>
+              </a:r>
+            </a:p>
+            <a:p>
+              <a:r>
                 <a:rPr lang="en-US" sz="1200" dirty="0"/>
                 <a:t>-answer : String</a:t>
               </a:r>
@@ -3935,16 +3650,16 @@
               </a:r>
             </a:p>
             <a:p>
-              <a:endParaRPr lang="en-US" sz="1200" dirty="0"/>
+              <a:endParaRPr lang="en-US" sz="1760" dirty="0"/>
             </a:p>
           </p:txBody>
         </p:sp>
         <p:sp>
           <p:nvSpPr>
-            <p:cNvPr id="11" name="TextBox 10">
+            <p:cNvPr id="8" name="TextBox 7">
               <a:extLst>
                 <a:ext uri="{FF2B5EF4-FFF2-40B4-BE49-F238E27FC236}">
-                  <a16:creationId xmlns:a16="http://schemas.microsoft.com/office/drawing/2014/main" id="{F1BEFBC4-D538-4AF9-956F-4FE910FE8B41}"/>
+                  <a16:creationId xmlns:a16="http://schemas.microsoft.com/office/drawing/2014/main" id="{1768CF70-9A9D-48DC-BEFD-F5F29E451394}"/>
                 </a:ext>
               </a:extLst>
             </p:cNvPr>
@@ -3953,8 +3668,8 @@
           </p:nvSpPr>
           <p:spPr>
             <a:xfrm>
-              <a:off x="5694845" y="2962058"/>
-              <a:ext cx="4779493" cy="3139321"/>
+              <a:off x="5685307" y="2267709"/>
+              <a:ext cx="4779493" cy="2898691"/>
             </a:xfrm>
             <a:prstGeom prst="rect">
               <a:avLst/>
@@ -3984,7 +3699,7 @@
               </a:r>
               <a:r>
                 <a:rPr lang="en-US" sz="1200" dirty="0"/>
-                <a:t>() : String</a:t>
+                <a:t> () : String</a:t>
               </a:r>
             </a:p>
             <a:p>
@@ -3994,11 +3709,25 @@
               </a:r>
               <a:r>
                 <a:rPr lang="en-US" sz="1200" dirty="0" err="1"/>
+                <a:t>getElementName</a:t>
+              </a:r>
+              <a:r>
+                <a:rPr lang="en-US" sz="1200" dirty="0"/>
+                <a:t> () : String</a:t>
+              </a:r>
+            </a:p>
+            <a:p>
+              <a:r>
+                <a:rPr lang="en-US" sz="1200" dirty="0"/>
+                <a:t>+</a:t>
+              </a:r>
+              <a:r>
+                <a:rPr lang="en-US" sz="1200" dirty="0" err="1"/>
                 <a:t>getQuestion</a:t>
               </a:r>
               <a:r>
                 <a:rPr lang="en-US" sz="1200" dirty="0"/>
-                <a:t>() : String</a:t>
+                <a:t> () : String</a:t>
               </a:r>
             </a:p>
             <a:p>
@@ -4012,7 +3741,7 @@
               </a:r>
               <a:r>
                 <a:rPr lang="en-US" sz="1200" dirty="0"/>
-                <a:t>() : String</a:t>
+                <a:t> () : String</a:t>
               </a:r>
             </a:p>
             <a:p>
@@ -4026,7 +3755,7 @@
               </a:r>
               <a:r>
                 <a:rPr lang="en-US" sz="1200" dirty="0"/>
-                <a:t>() : Boolean</a:t>
+                <a:t> () : Boolean</a:t>
               </a:r>
             </a:p>
             <a:p>
@@ -4040,7 +3769,7 @@
               </a:r>
               <a:r>
                 <a:rPr lang="en-US" sz="1200" dirty="0"/>
-                <a:t>() : </a:t>
+                <a:t> () : </a:t>
               </a:r>
               <a:r>
                 <a:rPr lang="en-US" sz="1200" dirty="0" err="1"/>
@@ -4062,7 +3791,7 @@
               </a:r>
               <a:r>
                 <a:rPr lang="en-US" sz="1200" dirty="0"/>
-                <a:t>() :</a:t>
+                <a:t> () :</a:t>
               </a:r>
               <a:r>
                 <a:rPr lang="en-US" sz="1200" dirty="0" err="1"/>
@@ -4084,7 +3813,7 @@
               </a:r>
               <a:r>
                 <a:rPr lang="en-US" sz="1200" dirty="0"/>
-                <a:t>() : </a:t>
+                <a:t> () : </a:t>
               </a:r>
               <a:r>
                 <a:rPr lang="en-US" sz="1200" dirty="0" err="1"/>
@@ -4106,7 +3835,7 @@
               </a:r>
               <a:r>
                 <a:rPr lang="en-US" sz="1200" dirty="0"/>
-                <a:t>() : </a:t>
+                <a:t> () : </a:t>
               </a:r>
               <a:r>
                 <a:rPr lang="en-US" sz="1200" dirty="0" err="1"/>
@@ -4124,19 +3853,255 @@
               </a:r>
               <a:r>
                 <a:rPr lang="en-US" sz="1200" dirty="0" err="1"/>
+                <a:t>isLeaf</a:t>
+              </a:r>
+              <a:r>
+                <a:rPr lang="en-US" sz="1200" dirty="0"/>
+                <a:t> () : Boolean</a:t>
+              </a:r>
+            </a:p>
+            <a:p>
+              <a:r>
+                <a:rPr lang="en-US" sz="1200" dirty="0"/>
+                <a:t>+</a:t>
+              </a:r>
+              <a:r>
+                <a:rPr lang="en-US" sz="1200" dirty="0" err="1"/>
+                <a:t>removeLastChild</a:t>
+              </a:r>
+              <a:r>
+                <a:rPr lang="en-US" sz="1200" dirty="0"/>
+                <a:t> () : </a:t>
+              </a:r>
+              <a:r>
+                <a:rPr lang="en-US" sz="1200" dirty="0" err="1"/>
+                <a:t>MetadataNode</a:t>
+              </a:r>
+              <a:r>
+                <a:rPr lang="en-US" sz="1200" dirty="0"/>
+                <a:t> &lt;M&gt;</a:t>
+              </a:r>
+            </a:p>
+            <a:p>
+              <a:r>
+                <a:rPr lang="en-US" sz="1200" dirty="0"/>
+                <a:t>+</a:t>
+              </a:r>
+              <a:r>
+                <a:rPr lang="en-US" sz="1200" dirty="0" err="1"/>
+                <a:t>removeLastSibling</a:t>
+              </a:r>
+              <a:r>
+                <a:rPr lang="en-US" sz="1200" dirty="0"/>
+                <a:t> () : </a:t>
+              </a:r>
+              <a:r>
+                <a:rPr lang="en-US" sz="1200" dirty="0" err="1"/>
+                <a:t>MetadataNode</a:t>
+              </a:r>
+              <a:r>
+                <a:rPr lang="en-US" sz="1200" dirty="0"/>
+                <a:t> &lt;M&gt;</a:t>
+              </a:r>
+            </a:p>
+            <a:p>
+              <a:r>
+                <a:rPr lang="en-US" sz="1200" dirty="0"/>
+                <a:t>+</a:t>
+              </a:r>
+              <a:r>
+                <a:rPr lang="en-US" sz="1200" dirty="0" err="1"/>
                 <a:t>setElement</a:t>
               </a:r>
               <a:r>
                 <a:rPr lang="en-US" sz="1200" dirty="0"/>
+                <a:t> (</a:t>
+              </a:r>
+              <a:r>
+                <a:rPr lang="en-US" sz="1200" dirty="0" err="1"/>
+                <a:t>newElement</a:t>
+              </a:r>
+              <a:r>
+                <a:rPr lang="en-US" sz="1200" dirty="0"/>
+                <a:t> : String) : void</a:t>
+              </a:r>
+            </a:p>
+            <a:p>
+              <a:r>
+                <a:rPr lang="en-US" sz="1200" dirty="0"/>
+                <a:t>+</a:t>
+              </a:r>
+              <a:r>
+                <a:rPr lang="en-US" sz="1200" dirty="0" err="1"/>
+                <a:t>setElementName</a:t>
+              </a:r>
+              <a:r>
+                <a:rPr lang="en-US" sz="1200" dirty="0"/>
+                <a:t> (</a:t>
+              </a:r>
+              <a:r>
+                <a:rPr lang="en-US" sz="1200" dirty="0" err="1"/>
+                <a:t>newElementName</a:t>
+              </a:r>
+              <a:r>
+                <a:rPr lang="en-US" sz="1200" dirty="0"/>
+                <a:t> : String) : void</a:t>
+              </a:r>
+            </a:p>
+            <a:p>
+              <a:r>
+                <a:rPr lang="en-US" sz="1200" dirty="0"/>
+                <a:t>+</a:t>
+              </a:r>
+              <a:r>
+                <a:rPr lang="en-US" sz="1200" dirty="0" err="1"/>
+                <a:t>setQuestion</a:t>
+              </a:r>
+              <a:r>
+                <a:rPr lang="en-US" sz="1200" dirty="0"/>
+                <a:t> (</a:t>
+              </a:r>
+              <a:r>
+                <a:rPr lang="en-US" sz="1200" dirty="0" err="1"/>
+                <a:t>newQuestion</a:t>
+              </a:r>
+              <a:r>
+                <a:rPr lang="en-US" sz="1200" dirty="0"/>
+                <a:t> : String) : void</a:t>
+              </a:r>
+            </a:p>
+            <a:p>
+              <a:r>
+                <a:rPr lang="en-US" sz="1200" dirty="0"/>
+                <a:t>+</a:t>
+              </a:r>
+              <a:r>
+                <a:rPr lang="en-US" sz="1200" dirty="0" err="1"/>
+                <a:t>setAnswer</a:t>
+              </a:r>
+              <a:r>
+                <a:rPr lang="en-US" sz="1200" dirty="0"/>
+                <a:t> (</a:t>
+              </a:r>
+              <a:r>
+                <a:rPr lang="en-US" sz="1200" dirty="0" err="1"/>
+                <a:t>newAnswer</a:t>
+              </a:r>
+              <a:r>
+                <a:rPr lang="en-US" sz="1200" dirty="0"/>
+                <a:t> : String) : void</a:t>
+              </a:r>
+            </a:p>
+            <a:p>
+              <a:r>
+                <a:rPr lang="en-US" sz="1200" dirty="0"/>
+                <a:t>+</a:t>
+              </a:r>
+              <a:r>
+                <a:rPr lang="en-US" sz="1200" dirty="0" err="1"/>
+                <a:t>setVerified</a:t>
+              </a:r>
+              <a:r>
+                <a:rPr lang="en-US" sz="1200" dirty="0"/>
+                <a:t> (</a:t>
+              </a:r>
+              <a:r>
+                <a:rPr lang="en-US" sz="1200" dirty="0" err="1"/>
+                <a:t>newVerified</a:t>
+              </a:r>
+              <a:r>
+                <a:rPr lang="en-US" sz="1200" dirty="0"/>
+                <a:t> : </a:t>
+              </a:r>
+              <a:r>
+                <a:rPr lang="en-US" sz="1200" dirty="0" err="1"/>
+                <a:t>boolean</a:t>
+              </a:r>
+              <a:r>
+                <a:rPr lang="en-US" sz="1200" dirty="0"/>
+                <a:t>) : void</a:t>
+              </a:r>
+            </a:p>
+            <a:p>
+              <a:r>
+                <a:rPr lang="en-US" sz="1200" dirty="0"/>
+                <a:t>+</a:t>
+              </a:r>
+              <a:r>
+                <a:rPr lang="en-US" sz="1200" dirty="0" err="1"/>
+                <a:t>addChild</a:t>
+              </a:r>
+              <a:r>
+                <a:rPr lang="en-US" sz="1200" dirty="0"/>
+                <a:t> (</a:t>
+              </a:r>
+              <a:r>
+                <a:rPr lang="en-US" sz="1200" dirty="0" err="1"/>
+                <a:t>newChild</a:t>
+              </a:r>
+              <a:r>
+                <a:rPr lang="en-US" sz="1200" dirty="0"/>
+                <a:t> : </a:t>
+              </a:r>
+              <a:r>
+                <a:rPr lang="en-US" sz="1200" dirty="0" err="1"/>
+                <a:t>MetadataNode</a:t>
+              </a:r>
+              <a:r>
+                <a:rPr lang="en-US" sz="1200" dirty="0"/>
+                <a:t>&lt;M&gt;) : void</a:t>
+              </a:r>
+            </a:p>
+            <a:p>
+              <a:r>
+                <a:rPr lang="en-US" sz="1200" dirty="0"/>
+                <a:t>+</a:t>
+              </a:r>
+              <a:r>
+                <a:rPr lang="en-US" sz="1200" dirty="0" err="1"/>
+                <a:t>addSibling</a:t>
+              </a:r>
+              <a:r>
+                <a:rPr lang="en-US" sz="1200" dirty="0"/>
+                <a:t> (</a:t>
+              </a:r>
+              <a:r>
+                <a:rPr lang="en-US" sz="1200" dirty="0" err="1"/>
+                <a:t>newSibling</a:t>
+              </a:r>
+              <a:r>
+                <a:rPr lang="en-US" sz="1200" dirty="0"/>
+                <a:t> : </a:t>
+              </a:r>
+              <a:r>
+                <a:rPr lang="en-US" sz="1200" dirty="0" err="1"/>
+                <a:t>MetadataNode</a:t>
+              </a:r>
+              <a:r>
+                <a:rPr lang="en-US" sz="1200" dirty="0"/>
+                <a:t>&lt;M&gt;) : void</a:t>
+              </a:r>
+            </a:p>
+            <a:p>
+              <a:r>
+                <a:rPr lang="en-US" sz="1200" dirty="0"/>
+                <a:t>+</a:t>
+              </a:r>
+              <a:r>
+                <a:rPr lang="en-US" sz="1200" dirty="0" err="1"/>
+                <a:t>treeCopy</a:t>
+              </a:r>
+              <a:r>
+                <a:rPr lang="en-US" sz="1200" dirty="0"/>
                 <a:t>(</a:t>
               </a:r>
               <a:r>
                 <a:rPr lang="en-US" sz="1200" dirty="0" err="1"/>
-                <a:t>newElement</a:t>
-              </a:r>
-              <a:r>
-                <a:rPr lang="en-US" sz="1200" dirty="0"/>
-                <a:t> : String) : void</a:t>
+                <a:t>MetadataNode</a:t>
+              </a:r>
+              <a:r>
+                <a:rPr lang="en-US" sz="1200" dirty="0"/>
+                <a:t>&lt;M&gt;) : void</a:t>
               </a:r>
             </a:p>
             <a:p>
@@ -4146,7 +4111,7 @@
               </a:r>
               <a:r>
                 <a:rPr lang="en-US" sz="1200" dirty="0" err="1"/>
-                <a:t>setQuestion</a:t>
+                <a:t>treeSize</a:t>
               </a:r>
               <a:r>
                 <a:rPr lang="en-US" sz="1200" dirty="0"/>
@@ -4154,11 +4119,11 @@
               </a:r>
               <a:r>
                 <a:rPr lang="en-US" sz="1200" dirty="0" err="1"/>
-                <a:t>newQuestion</a:t>
-              </a:r>
-              <a:r>
-                <a:rPr lang="en-US" sz="1200" dirty="0"/>
-                <a:t> : String) : void</a:t>
+                <a:t>MetadataNode</a:t>
+              </a:r>
+              <a:r>
+                <a:rPr lang="en-US" sz="1200" dirty="0"/>
+                <a:t>&lt;M&gt;) : long</a:t>
               </a:r>
             </a:p>
             <a:p>
@@ -4168,19 +4133,11 @@
               </a:r>
               <a:r>
                 <a:rPr lang="en-US" sz="1200" dirty="0" err="1"/>
-                <a:t>setAnswer</a:t>
-              </a:r>
-              <a:r>
-                <a:rPr lang="en-US" sz="1200" dirty="0"/>
-                <a:t>(</a:t>
-              </a:r>
-              <a:r>
-                <a:rPr lang="en-US" sz="1200" dirty="0" err="1"/>
-                <a:t>newAnswer</a:t>
-              </a:r>
-              <a:r>
-                <a:rPr lang="en-US" sz="1200" dirty="0"/>
-                <a:t> : String) : void</a:t>
+                <a:t>inOrderPrint</a:t>
+              </a:r>
+              <a:r>
+                <a:rPr lang="en-US" sz="1200" dirty="0"/>
+                <a:t> () : void</a:t>
               </a:r>
             </a:p>
             <a:p>
@@ -4190,23 +4147,35 @@
               </a:r>
               <a:r>
                 <a:rPr lang="en-US" sz="1200" dirty="0" err="1"/>
-                <a:t>setVerified</a:t>
-              </a:r>
-              <a:r>
-                <a:rPr lang="en-US" sz="1200" dirty="0"/>
-                <a:t>(</a:t>
-              </a:r>
-              <a:r>
-                <a:rPr lang="en-US" sz="1200" dirty="0" err="1"/>
-                <a:t>newVerified</a:t>
-              </a:r>
-              <a:r>
-                <a:rPr lang="en-US" sz="1200" dirty="0"/>
-                <a:t> : </a:t>
-              </a:r>
-              <a:r>
-                <a:rPr lang="en-US" sz="1200" dirty="0" err="1"/>
-                <a:t>boolean</a:t>
+                <a:t>preOrderPrint</a:t>
+              </a:r>
+              <a:r>
+                <a:rPr lang="en-US" sz="1200" dirty="0"/>
+                <a:t> () : void</a:t>
+              </a:r>
+            </a:p>
+            <a:p>
+              <a:r>
+                <a:rPr lang="en-US" sz="1200" dirty="0"/>
+                <a:t>+</a:t>
+              </a:r>
+              <a:r>
+                <a:rPr lang="en-US" sz="1200" dirty="0" err="1"/>
+                <a:t>postOrderPrint</a:t>
+              </a:r>
+              <a:r>
+                <a:rPr lang="en-US" sz="1200" dirty="0"/>
+                <a:t> () : void</a:t>
+              </a:r>
+            </a:p>
+            <a:p>
+              <a:r>
+                <a:rPr lang="en-US" sz="1200" dirty="0"/>
+                <a:t>+print (</a:t>
+              </a:r>
+              <a:r>
+                <a:rPr lang="en-US" sz="1200" dirty="0" err="1"/>
+                <a:t>int</a:t>
               </a:r>
               <a:r>
                 <a:rPr lang="en-US" sz="1200" dirty="0"/>
@@ -4220,61 +4189,12 @@
               </a:r>
               <a:r>
                 <a:rPr lang="en-US" sz="1200" dirty="0" err="1"/>
-                <a:t>addChild</a:t>
-              </a:r>
-              <a:r>
-                <a:rPr lang="en-US" sz="1200" dirty="0"/>
-                <a:t>(</a:t>
-              </a:r>
-              <a:r>
-                <a:rPr lang="en-US" sz="1200" dirty="0" err="1"/>
-                <a:t>newChild</a:t>
-              </a:r>
-              <a:r>
-                <a:rPr lang="en-US" sz="1200" dirty="0"/>
-                <a:t> : </a:t>
-              </a:r>
-              <a:r>
-                <a:rPr lang="en-US" sz="1200" dirty="0" err="1"/>
-                <a:t>MetadataNode</a:t>
-              </a:r>
-              <a:r>
-                <a:rPr lang="en-US" sz="1200" dirty="0"/>
-                <a:t>&lt;M&gt;) : void</a:t>
-              </a:r>
-            </a:p>
-            <a:p>
-              <a:r>
-                <a:rPr lang="en-US" sz="1200" dirty="0"/>
-                <a:t>+</a:t>
-              </a:r>
-              <a:r>
-                <a:rPr lang="en-US" sz="1200" dirty="0" err="1"/>
-                <a:t>addSibling</a:t>
-              </a:r>
-              <a:r>
-                <a:rPr lang="en-US" sz="1200" dirty="0"/>
-                <a:t>(</a:t>
-              </a:r>
-              <a:r>
-                <a:rPr lang="en-US" sz="1200" dirty="0" err="1"/>
-                <a:t>newSibling</a:t>
-              </a:r>
-              <a:r>
-                <a:rPr lang="en-US" sz="1200" dirty="0"/>
-                <a:t> : </a:t>
-              </a:r>
-              <a:r>
-                <a:rPr lang="en-US" sz="1200" dirty="0" err="1"/>
-                <a:t>MetadataNode</a:t>
-              </a:r>
-              <a:r>
-                <a:rPr lang="en-US" sz="1200" dirty="0"/>
-                <a:t>&lt;M&gt;) : void</a:t>
-              </a:r>
-            </a:p>
-            <a:p>
-              <a:endParaRPr lang="en-US" sz="1200" dirty="0"/>
+                <a:t>printLeaves</a:t>
+              </a:r>
+              <a:r>
+                <a:rPr lang="en-US" sz="1200" dirty="0"/>
+                <a:t> () : void</a:t>
+              </a:r>
             </a:p>
           </p:txBody>
         </p:sp>
@@ -4282,7 +4202,7 @@
     </p:spTree>
     <p:extLst>
       <p:ext uri="{BB962C8B-B14F-4D97-AF65-F5344CB8AC3E}">
-        <p14:creationId xmlns:p14="http://schemas.microsoft.com/office/powerpoint/2010/main" val="2915490135"/>
+        <p14:creationId xmlns:p14="http://schemas.microsoft.com/office/powerpoint/2010/main" val="718750674"/>
       </p:ext>
     </p:extLst>
   </p:cSld>
@@ -4295,7 +4215,7 @@
 <file path=ppt/theme/theme1.xml><?xml version="1.0" encoding="utf-8"?>
 <a:theme xmlns:a="http://schemas.openxmlformats.org/drawingml/2006/main" name="Office Theme">
   <a:themeElements>
-    <a:clrScheme name="Office">
+    <a:clrScheme name="Office Theme">
       <a:dk1>
         <a:sysClr val="windowText" lastClr="000000"/>
       </a:dk1>
@@ -4333,7 +4253,7 @@
         <a:srgbClr val="954F72"/>
       </a:folHlink>
     </a:clrScheme>
-    <a:fontScheme name="Office">
+    <a:fontScheme name="Office Theme">
       <a:majorFont>
         <a:latin typeface="Calibri Light" panose="020F0302020204030204"/>
         <a:ea typeface=""/>
@@ -4368,23 +4288,6 @@
         <a:font script="Viet" typeface="Times New Roman"/>
         <a:font script="Uigh" typeface="Microsoft Uighur"/>
         <a:font script="Geor" typeface="Sylfaen"/>
-        <a:font script="Armn" typeface="Arial"/>
-        <a:font script="Bugi" typeface="Leelawadee UI"/>
-        <a:font script="Bopo" typeface="Microsoft JhengHei"/>
-        <a:font script="Java" typeface="Javanese Text"/>
-        <a:font script="Lisu" typeface="Segoe UI"/>
-        <a:font script="Mymr" typeface="Myanmar Text"/>
-        <a:font script="Nkoo" typeface="Ebrima"/>
-        <a:font script="Olck" typeface="Nirmala UI"/>
-        <a:font script="Osma" typeface="Ebrima"/>
-        <a:font script="Phag" typeface="Phagspa"/>
-        <a:font script="Syrn" typeface="Estrangelo Edessa"/>
-        <a:font script="Syrj" typeface="Estrangelo Edessa"/>
-        <a:font script="Syre" typeface="Estrangelo Edessa"/>
-        <a:font script="Sora" typeface="Nirmala UI"/>
-        <a:font script="Tale" typeface="Microsoft Tai Le"/>
-        <a:font script="Talu" typeface="Microsoft New Tai Lue"/>
-        <a:font script="Tfng" typeface="Ebrima"/>
       </a:majorFont>
       <a:minorFont>
         <a:latin typeface="Calibri" panose="020F0502020204030204"/>
@@ -4420,26 +4323,9 @@
         <a:font script="Viet" typeface="Arial"/>
         <a:font script="Uigh" typeface="Microsoft Uighur"/>
         <a:font script="Geor" typeface="Sylfaen"/>
-        <a:font script="Armn" typeface="Arial"/>
-        <a:font script="Bugi" typeface="Leelawadee UI"/>
-        <a:font script="Bopo" typeface="Microsoft JhengHei"/>
-        <a:font script="Java" typeface="Javanese Text"/>
-        <a:font script="Lisu" typeface="Segoe UI"/>
-        <a:font script="Mymr" typeface="Myanmar Text"/>
-        <a:font script="Nkoo" typeface="Ebrima"/>
-        <a:font script="Olck" typeface="Nirmala UI"/>
-        <a:font script="Osma" typeface="Ebrima"/>
-        <a:font script="Phag" typeface="Phagspa"/>
-        <a:font script="Syrn" typeface="Estrangelo Edessa"/>
-        <a:font script="Syrj" typeface="Estrangelo Edessa"/>
-        <a:font script="Syre" typeface="Estrangelo Edessa"/>
-        <a:font script="Sora" typeface="Nirmala UI"/>
-        <a:font script="Tale" typeface="Microsoft Tai Le"/>
-        <a:font script="Talu" typeface="Microsoft New Tai Lue"/>
-        <a:font script="Tfng" typeface="Ebrima"/>
       </a:minorFont>
     </a:fontScheme>
-    <a:fmtScheme name="Office">
+    <a:fmtScheme name="Office Theme">
       <a:fillStyleLst>
         <a:solidFill>
           <a:schemeClr val="phClr"/>
